--- a/Presentation Minald.pptx
+++ b/Presentation Minald.pptx
@@ -6,13 +6,16 @@
   </p:sldMasterIdLst>
   <p:sldIdLst>
     <p:sldId id="264" r:id="rId2"/>
-    <p:sldId id="257" r:id="rId3"/>
-    <p:sldId id="258" r:id="rId4"/>
-    <p:sldId id="259" r:id="rId5"/>
-    <p:sldId id="260" r:id="rId6"/>
-    <p:sldId id="261" r:id="rId7"/>
-    <p:sldId id="262" r:id="rId8"/>
-    <p:sldId id="263" r:id="rId9"/>
+    <p:sldId id="258" r:id="rId3"/>
+    <p:sldId id="259" r:id="rId4"/>
+    <p:sldId id="260" r:id="rId5"/>
+    <p:sldId id="261" r:id="rId6"/>
+    <p:sldId id="262" r:id="rId7"/>
+    <p:sldId id="268" r:id="rId8"/>
+    <p:sldId id="265" r:id="rId9"/>
+    <p:sldId id="266" r:id="rId10"/>
+    <p:sldId id="263" r:id="rId11"/>
+    <p:sldId id="267" r:id="rId12"/>
   </p:sldIdLst>
   <p:sldSz cx="12192000" cy="6858000"/>
   <p:notesSz cx="6858000" cy="9144000"/>
@@ -268,7 +271,7 @@
           <a:p>
             <a:fld id="{50E2F020-427D-455D-B6D8-760F5D25F528}" type="datetimeFigureOut">
               <a:rPr lang="en-GB" smtClean="0"/>
-              <a:t>23/05/2019</a:t>
+              <a:t>11/06/2019</a:t>
             </a:fld>
             <a:endParaRPr lang="en-GB"/>
           </a:p>
@@ -468,7 +471,7 @@
           <a:p>
             <a:fld id="{50E2F020-427D-455D-B6D8-760F5D25F528}" type="datetimeFigureOut">
               <a:rPr lang="en-GB" smtClean="0"/>
-              <a:t>23/05/2019</a:t>
+              <a:t>11/06/2019</a:t>
             </a:fld>
             <a:endParaRPr lang="en-GB"/>
           </a:p>
@@ -678,7 +681,7 @@
           <a:p>
             <a:fld id="{50E2F020-427D-455D-B6D8-760F5D25F528}" type="datetimeFigureOut">
               <a:rPr lang="en-GB" smtClean="0"/>
-              <a:t>23/05/2019</a:t>
+              <a:t>11/06/2019</a:t>
             </a:fld>
             <a:endParaRPr lang="en-GB"/>
           </a:p>
@@ -878,7 +881,7 @@
           <a:p>
             <a:fld id="{50E2F020-427D-455D-B6D8-760F5D25F528}" type="datetimeFigureOut">
               <a:rPr lang="en-GB" smtClean="0"/>
-              <a:t>23/05/2019</a:t>
+              <a:t>11/06/2019</a:t>
             </a:fld>
             <a:endParaRPr lang="en-GB"/>
           </a:p>
@@ -1154,7 +1157,7 @@
           <a:p>
             <a:fld id="{50E2F020-427D-455D-B6D8-760F5D25F528}" type="datetimeFigureOut">
               <a:rPr lang="en-GB" smtClean="0"/>
-              <a:t>23/05/2019</a:t>
+              <a:t>11/06/2019</a:t>
             </a:fld>
             <a:endParaRPr lang="en-GB"/>
           </a:p>
@@ -1422,7 +1425,7 @@
           <a:p>
             <a:fld id="{50E2F020-427D-455D-B6D8-760F5D25F528}" type="datetimeFigureOut">
               <a:rPr lang="en-GB" smtClean="0"/>
-              <a:t>23/05/2019</a:t>
+              <a:t>11/06/2019</a:t>
             </a:fld>
             <a:endParaRPr lang="en-GB"/>
           </a:p>
@@ -1837,7 +1840,7 @@
           <a:p>
             <a:fld id="{50E2F020-427D-455D-B6D8-760F5D25F528}" type="datetimeFigureOut">
               <a:rPr lang="en-GB" smtClean="0"/>
-              <a:t>23/05/2019</a:t>
+              <a:t>11/06/2019</a:t>
             </a:fld>
             <a:endParaRPr lang="en-GB"/>
           </a:p>
@@ -1979,7 +1982,7 @@
           <a:p>
             <a:fld id="{50E2F020-427D-455D-B6D8-760F5D25F528}" type="datetimeFigureOut">
               <a:rPr lang="en-GB" smtClean="0"/>
-              <a:t>23/05/2019</a:t>
+              <a:t>11/06/2019</a:t>
             </a:fld>
             <a:endParaRPr lang="en-GB"/>
           </a:p>
@@ -2092,7 +2095,7 @@
           <a:p>
             <a:fld id="{50E2F020-427D-455D-B6D8-760F5D25F528}" type="datetimeFigureOut">
               <a:rPr lang="en-GB" smtClean="0"/>
-              <a:t>23/05/2019</a:t>
+              <a:t>11/06/2019</a:t>
             </a:fld>
             <a:endParaRPr lang="en-GB"/>
           </a:p>
@@ -2405,7 +2408,7 @@
           <a:p>
             <a:fld id="{50E2F020-427D-455D-B6D8-760F5D25F528}" type="datetimeFigureOut">
               <a:rPr lang="en-GB" smtClean="0"/>
-              <a:t>23/05/2019</a:t>
+              <a:t>11/06/2019</a:t>
             </a:fld>
             <a:endParaRPr lang="en-GB"/>
           </a:p>
@@ -2694,7 +2697,7 @@
           <a:p>
             <a:fld id="{50E2F020-427D-455D-B6D8-760F5D25F528}" type="datetimeFigureOut">
               <a:rPr lang="en-GB" smtClean="0"/>
-              <a:t>23/05/2019</a:t>
+              <a:t>11/06/2019</a:t>
             </a:fld>
             <a:endParaRPr lang="en-GB"/>
           </a:p>
@@ -2937,7 +2940,7 @@
           <a:p>
             <a:fld id="{50E2F020-427D-455D-B6D8-760F5D25F528}" type="datetimeFigureOut">
               <a:rPr lang="en-GB" smtClean="0"/>
-              <a:t>23/05/2019</a:t>
+              <a:t>11/06/2019</a:t>
             </a:fld>
             <a:endParaRPr lang="en-GB"/>
           </a:p>
@@ -3506,21 +3509,7 @@
                 <a:latin typeface="Times New Roman" panose="02020603050405020304" pitchFamily="18" charset="0"/>
                 <a:cs typeface="Times New Roman" panose="02020603050405020304" pitchFamily="18" charset="0"/>
               </a:rPr>
-              <a:t>Белорусский </a:t>
-            </a:r>
-            <a:r>
-              <a:rPr lang="ru-RU" sz="2400" dirty="0" smtClean="0">
-                <a:latin typeface="Times New Roman" panose="02020603050405020304" pitchFamily="18" charset="0"/>
-                <a:cs typeface="Times New Roman" panose="02020603050405020304" pitchFamily="18" charset="0"/>
-              </a:rPr>
-              <a:t>государственный </a:t>
-            </a:r>
-            <a:r>
-              <a:rPr lang="ru-RU" sz="2400" dirty="0" smtClean="0">
-                <a:latin typeface="Times New Roman" panose="02020603050405020304" pitchFamily="18" charset="0"/>
-                <a:cs typeface="Times New Roman" panose="02020603050405020304" pitchFamily="18" charset="0"/>
-              </a:rPr>
-              <a:t>университет</a:t>
+              <a:t>Белорусский государственный университет</a:t>
             </a:r>
           </a:p>
           <a:p>
@@ -3664,6 +3653,293 @@
     <p:extLst>
       <p:ext uri="{BB962C8B-B14F-4D97-AF65-F5344CB8AC3E}">
         <p14:creationId xmlns:p14="http://schemas.microsoft.com/office/powerpoint/2010/main" val="3042768058"/>
+      </p:ext>
+    </p:extLst>
+  </p:cSld>
+  <p:clrMapOvr>
+    <a:masterClrMapping/>
+  </p:clrMapOvr>
+</p:sld>
+</file>
+
+<file path=ppt/slides/slide10.xml><?xml version="1.0" encoding="utf-8"?>
+<p:sld xmlns:a="http://schemas.openxmlformats.org/drawingml/2006/main" xmlns:r="http://schemas.openxmlformats.org/officeDocument/2006/relationships" xmlns:p="http://schemas.openxmlformats.org/presentationml/2006/main">
+  <p:cSld>
+    <p:spTree>
+      <p:nvGrpSpPr>
+        <p:cNvPr id="1" name=""/>
+        <p:cNvGrpSpPr/>
+        <p:nvPr/>
+      </p:nvGrpSpPr>
+      <p:grpSpPr>
+        <a:xfrm>
+          <a:off x="0" y="0"/>
+          <a:ext cx="0" cy="0"/>
+          <a:chOff x="0" y="0"/>
+          <a:chExt cx="0" cy="0"/>
+        </a:xfrm>
+      </p:grpSpPr>
+      <p:sp>
+        <p:nvSpPr>
+          <p:cNvPr id="2" name="Title 1">
+            <a:extLst>
+              <a:ext uri="{FF2B5EF4-FFF2-40B4-BE49-F238E27FC236}">
+                <a16:creationId xmlns:a16="http://schemas.microsoft.com/office/drawing/2014/main" id="{DCAC1EC8-C8F3-4373-B8CE-045367DBC652}"/>
+              </a:ext>
+            </a:extLst>
+          </p:cNvPr>
+          <p:cNvSpPr>
+            <a:spLocks noGrp="1"/>
+          </p:cNvSpPr>
+          <p:nvPr>
+            <p:ph type="title"/>
+          </p:nvPr>
+        </p:nvSpPr>
+        <p:spPr>
+          <a:xfrm>
+            <a:off x="838200" y="365125"/>
+            <a:ext cx="10515600" cy="672367"/>
+          </a:xfrm>
+        </p:spPr>
+        <p:txBody>
+          <a:bodyPr>
+            <a:normAutofit fontScale="90000"/>
+          </a:bodyPr>
+          <a:lstStyle/>
+          <a:p>
+            <a:pPr algn="ctr"/>
+            <a:r>
+              <a:rPr lang="ru-RU" dirty="0"/>
+              <a:t>Заключение</a:t>
+            </a:r>
+            <a:endParaRPr lang="en-GB" dirty="0"/>
+          </a:p>
+        </p:txBody>
+      </p:sp>
+      <p:sp>
+        <p:nvSpPr>
+          <p:cNvPr id="3" name="Content Placeholder 2">
+            <a:extLst>
+              <a:ext uri="{FF2B5EF4-FFF2-40B4-BE49-F238E27FC236}">
+                <a16:creationId xmlns:a16="http://schemas.microsoft.com/office/drawing/2014/main" id="{0E4D06C4-8836-4633-8ED4-AAB93F116CA2}"/>
+              </a:ext>
+            </a:extLst>
+          </p:cNvPr>
+          <p:cNvSpPr>
+            <a:spLocks noGrp="1"/>
+          </p:cNvSpPr>
+          <p:nvPr>
+            <p:ph idx="1"/>
+          </p:nvPr>
+        </p:nvSpPr>
+        <p:spPr>
+          <a:xfrm>
+            <a:off x="923192" y="1037492"/>
+            <a:ext cx="10430608" cy="5139471"/>
+          </a:xfrm>
+        </p:spPr>
+        <p:txBody>
+          <a:bodyPr>
+            <a:normAutofit fontScale="77500" lnSpcReduction="20000"/>
+          </a:bodyPr>
+          <a:lstStyle/>
+          <a:p>
+            <a:pPr marL="0" indent="0">
+              <a:buNone/>
+            </a:pPr>
+            <a:r>
+              <a:rPr lang="ru-RU" dirty="0"/>
+              <a:t> </a:t>
+            </a:r>
+            <a:r>
+              <a:rPr lang="ru-RU" dirty="0" smtClean="0"/>
+              <a:t>        В </a:t>
+            </a:r>
+            <a:r>
+              <a:rPr lang="ru-RU" dirty="0"/>
+              <a:t>процессе выполнения дипломной работы получены следующие результаты: </a:t>
+            </a:r>
+            <a:endParaRPr lang="en-US" dirty="0"/>
+          </a:p>
+          <a:p>
+            <a:pPr lvl="0"/>
+            <a:r>
+              <a:rPr lang="ru-RU" dirty="0"/>
+              <a:t>изучены книги и электронные источники по темам «Разработка </a:t>
+            </a:r>
+            <a:r>
+              <a:rPr lang="en-US" dirty="0"/>
+              <a:t>web</a:t>
+            </a:r>
+            <a:r>
+              <a:rPr lang="ru-RU" dirty="0"/>
+              <a:t> приложений </a:t>
+            </a:r>
+            <a:r>
+              <a:rPr lang="en-US" dirty="0"/>
+              <a:t>ASP</a:t>
+            </a:r>
+            <a:r>
+              <a:rPr lang="ru-RU" dirty="0"/>
+              <a:t>.</a:t>
+            </a:r>
+            <a:r>
+              <a:rPr lang="en-US" dirty="0"/>
+              <a:t>NET Core MVC</a:t>
+            </a:r>
+            <a:r>
+              <a:rPr lang="ru-RU" dirty="0"/>
+              <a:t>», «Архитектура клиент-серверных приложений», «Нейронные сети»;</a:t>
+            </a:r>
+            <a:endParaRPr lang="en-US" dirty="0"/>
+          </a:p>
+          <a:p>
+            <a:pPr lvl="0"/>
+            <a:r>
+              <a:rPr lang="ru-RU" dirty="0"/>
+              <a:t>проведён анализ технологий, использующихся для создания веб-приложений;</a:t>
+            </a:r>
+            <a:endParaRPr lang="en-US" dirty="0"/>
+          </a:p>
+          <a:p>
+            <a:pPr lvl="0"/>
+            <a:r>
+              <a:rPr lang="ru-RU" dirty="0"/>
+              <a:t>спроектированы структуры базы данных и приложения;</a:t>
+            </a:r>
+            <a:endParaRPr lang="en-US" dirty="0"/>
+          </a:p>
+          <a:p>
+            <a:pPr lvl="0"/>
+            <a:r>
+              <a:rPr lang="ru-RU" dirty="0"/>
+              <a:t>разработана нейронная сеть, которая позволяет строить индивидуальные музыкальные чарты;</a:t>
+            </a:r>
+            <a:endParaRPr lang="en-US" dirty="0"/>
+          </a:p>
+          <a:p>
+            <a:pPr lvl="0"/>
+            <a:r>
+              <a:rPr lang="ru-RU" dirty="0"/>
+              <a:t>предложен способ обучения нейронной сети на основе данных предоставляемых пользователями;</a:t>
+            </a:r>
+            <a:endParaRPr lang="en-US" dirty="0"/>
+          </a:p>
+          <a:p>
+            <a:pPr lvl="0"/>
+            <a:r>
+              <a:rPr lang="ru-RU" dirty="0"/>
+              <a:t>изучены, проанализированы и использованы возможности, предоставляемые сайтом </a:t>
+            </a:r>
+            <a:r>
+              <a:rPr lang="en-US" dirty="0"/>
+              <a:t>last</a:t>
+            </a:r>
+            <a:r>
+              <a:rPr lang="ru-RU" dirty="0"/>
+              <a:t>.</a:t>
+            </a:r>
+            <a:r>
+              <a:rPr lang="en-US" dirty="0"/>
+              <a:t>fm</a:t>
+            </a:r>
+            <a:r>
+              <a:rPr lang="ru-RU" dirty="0"/>
+              <a:t> посредством </a:t>
+            </a:r>
+            <a:r>
+              <a:rPr lang="en-US" dirty="0"/>
+              <a:t>API</a:t>
+            </a:r>
+            <a:r>
+              <a:rPr lang="ru-RU" dirty="0"/>
+              <a:t>;</a:t>
+            </a:r>
+            <a:endParaRPr lang="en-US" dirty="0"/>
+          </a:p>
+          <a:p>
+            <a:pPr lvl="0"/>
+            <a:r>
+              <a:rPr lang="ru-RU" dirty="0"/>
+              <a:t>разработано приложение, совмещающее задачи и цели онлайн и офлайн каталогизаторов, которое использует нейронную сеть;</a:t>
+            </a:r>
+            <a:endParaRPr lang="en-US" dirty="0"/>
+          </a:p>
+          <a:p>
+            <a:pPr lvl="0"/>
+            <a:r>
+              <a:rPr lang="ru-RU" dirty="0"/>
+              <a:t>выполнено тестирование приложения и встроенной нейронной сети.</a:t>
+            </a:r>
+            <a:endParaRPr lang="en-US" dirty="0"/>
+          </a:p>
+        </p:txBody>
+      </p:sp>
+    </p:spTree>
+    <p:extLst>
+      <p:ext uri="{BB962C8B-B14F-4D97-AF65-F5344CB8AC3E}">
+        <p14:creationId xmlns:p14="http://schemas.microsoft.com/office/powerpoint/2010/main" val="2664455844"/>
+      </p:ext>
+    </p:extLst>
+  </p:cSld>
+  <p:clrMapOvr>
+    <a:masterClrMapping/>
+  </p:clrMapOvr>
+</p:sld>
+</file>
+
+<file path=ppt/slides/slide11.xml><?xml version="1.0" encoding="utf-8"?>
+<p:sld xmlns:a="http://schemas.openxmlformats.org/drawingml/2006/main" xmlns:r="http://schemas.openxmlformats.org/officeDocument/2006/relationships" xmlns:p="http://schemas.openxmlformats.org/presentationml/2006/main">
+  <p:cSld>
+    <p:spTree>
+      <p:nvGrpSpPr>
+        <p:cNvPr id="1" name=""/>
+        <p:cNvGrpSpPr/>
+        <p:nvPr/>
+      </p:nvGrpSpPr>
+      <p:grpSpPr>
+        <a:xfrm>
+          <a:off x="0" y="0"/>
+          <a:ext cx="0" cy="0"/>
+          <a:chOff x="0" y="0"/>
+          <a:chExt cx="0" cy="0"/>
+        </a:xfrm>
+      </p:grpSpPr>
+      <p:sp>
+        <p:nvSpPr>
+          <p:cNvPr id="2" name="Title 1"/>
+          <p:cNvSpPr>
+            <a:spLocks noGrp="1"/>
+          </p:cNvSpPr>
+          <p:nvPr>
+            <p:ph type="title"/>
+          </p:nvPr>
+        </p:nvSpPr>
+        <p:spPr>
+          <a:xfrm>
+            <a:off x="838200" y="365125"/>
+            <a:ext cx="10515600" cy="6018090"/>
+          </a:xfrm>
+        </p:spPr>
+        <p:txBody>
+          <a:bodyPr>
+            <a:normAutofit/>
+          </a:bodyPr>
+          <a:lstStyle/>
+          <a:p>
+            <a:pPr algn="ctr"/>
+            <a:r>
+              <a:rPr lang="ru-RU" sz="6000" dirty="0" smtClean="0"/>
+              <a:t>Спасибо за внимание!</a:t>
+            </a:r>
+            <a:endParaRPr lang="en-US" sz="6000" dirty="0"/>
+          </a:p>
+        </p:txBody>
+      </p:sp>
+    </p:spTree>
+    <p:extLst>
+      <p:ext uri="{BB962C8B-B14F-4D97-AF65-F5344CB8AC3E}">
+        <p14:creationId xmlns:p14="http://schemas.microsoft.com/office/powerpoint/2010/main" val="2044519790"/>
       </p:ext>
     </p:extLst>
   </p:cSld>
@@ -3695,7 +3971,7 @@
           <p:cNvPr id="2" name="Title 1">
             <a:extLst>
               <a:ext uri="{FF2B5EF4-FFF2-40B4-BE49-F238E27FC236}">
-                <a16:creationId xmlns:a16="http://schemas.microsoft.com/office/drawing/2014/main" id="{020A51C9-CA69-47C7-A706-667EAF7C5074}"/>
+                <a16:creationId xmlns:a16="http://schemas.microsoft.com/office/drawing/2014/main" id="{65BA7919-29E1-4CFD-BDCF-AEB8C06562E9}"/>
               </a:ext>
             </a:extLst>
           </p:cNvPr>
@@ -3706,20 +3982,23 @@
             <p:ph type="title"/>
           </p:nvPr>
         </p:nvSpPr>
-        <p:spPr>
-          <a:xfrm>
-            <a:off x="838200" y="272563"/>
-            <a:ext cx="10515600" cy="835268"/>
-          </a:xfrm>
-        </p:spPr>
+        <p:spPr/>
         <p:txBody>
           <a:bodyPr/>
           <a:lstStyle/>
           <a:p>
             <a:pPr algn="ctr"/>
             <a:r>
+              <a:rPr lang="ru-RU" dirty="0" smtClean="0"/>
+              <a:t>Цели и </a:t>
+            </a:r>
+            <a:r>
               <a:rPr lang="ru-RU" dirty="0"/>
-              <a:t>Введение</a:t>
+              <a:t>з</a:t>
+            </a:r>
+            <a:r>
+              <a:rPr lang="ru-RU" dirty="0" smtClean="0"/>
+              <a:t>адачи</a:t>
             </a:r>
             <a:endParaRPr lang="en-GB" dirty="0"/>
           </a:p>
@@ -3730,7 +4009,7 @@
           <p:cNvPr id="3" name="Content Placeholder 2">
             <a:extLst>
               <a:ext uri="{FF2B5EF4-FFF2-40B4-BE49-F238E27FC236}">
-                <a16:creationId xmlns:a16="http://schemas.microsoft.com/office/drawing/2014/main" id="{8C76CA9D-8D27-4042-BF72-8B35384472E1}"/>
+                <a16:creationId xmlns:a16="http://schemas.microsoft.com/office/drawing/2014/main" id="{15F46407-7C1E-42DC-9089-5BDD9CE70266}"/>
               </a:ext>
             </a:extLst>
           </p:cNvPr>
@@ -3741,112 +4020,56 @@
             <p:ph idx="1"/>
           </p:nvPr>
         </p:nvSpPr>
-        <p:spPr>
-          <a:xfrm>
-            <a:off x="838200" y="1222131"/>
-            <a:ext cx="10909852" cy="4954832"/>
-          </a:xfrm>
-        </p:spPr>
-        <p:txBody>
-          <a:bodyPr>
-            <a:normAutofit fontScale="92500" lnSpcReduction="10000"/>
-          </a:bodyPr>
-          <a:lstStyle/>
-          <a:p>
-            <a:pPr marL="0" indent="0">
-              <a:buNone/>
-            </a:pPr>
+        <p:spPr/>
+        <p:txBody>
+          <a:bodyPr/>
+          <a:lstStyle/>
+          <a:p>
             <a:r>
               <a:rPr lang="ru-RU" dirty="0"/>
-              <a:t>	</a:t>
-            </a:r>
-            <a:r>
-              <a:rPr lang="ru-RU" sz="2600" dirty="0">
-                <a:latin typeface="Times New Roman" panose="02020603050405020304" pitchFamily="18" charset="0"/>
-                <a:cs typeface="Times New Roman" panose="02020603050405020304" pitchFamily="18" charset="0"/>
-              </a:rPr>
-              <a:t>Подавляющее большинство людей любят слушать музыку. У каждого отдельного человека музыкальные предпочтения формируются в зависимости от различных факторов: пола, возраста, типа характера, типа темперамента и многих других. Люди могут слушать различные стили в зависимости от поры года, погоды, настроения и т.д. </a:t>
-            </a:r>
-            <a:endParaRPr lang="en-US" sz="2600" dirty="0">
-              <a:latin typeface="Times New Roman" panose="02020603050405020304" pitchFamily="18" charset="0"/>
-              <a:cs typeface="Times New Roman" panose="02020603050405020304" pitchFamily="18" charset="0"/>
-            </a:endParaRPr>
-          </a:p>
-          <a:p>
-            <a:pPr marL="0" indent="0">
-              <a:buNone/>
-            </a:pPr>
-            <a:r>
-              <a:rPr lang="ru-RU" sz="2600" dirty="0" smtClean="0">
-                <a:latin typeface="Times New Roman" panose="02020603050405020304" pitchFamily="18" charset="0"/>
-                <a:cs typeface="Times New Roman" panose="02020603050405020304" pitchFamily="18" charset="0"/>
-              </a:rPr>
-              <a:t>	Но </a:t>
-            </a:r>
-            <a:r>
-              <a:rPr lang="ru-RU" sz="2600" dirty="0">
-                <a:latin typeface="Times New Roman" panose="02020603050405020304" pitchFamily="18" charset="0"/>
-                <a:cs typeface="Times New Roman" panose="02020603050405020304" pitchFamily="18" charset="0"/>
-              </a:rPr>
-              <a:t>всем хочется, чтобы любимая музыка всегда была доступна вне зависимости от места, времени и обстоятельств. Также никто не любит искать любимый альбом или трек долго: их должно быть легко найти. Поэтому возникает потребность каким-либо образом хранить музыку. Лучше всего с этой задачей справляются музыкальные каталогизаторы.</a:t>
-            </a:r>
-            <a:endParaRPr lang="en-US" sz="2600" dirty="0">
-              <a:latin typeface="Times New Roman" panose="02020603050405020304" pitchFamily="18" charset="0"/>
-              <a:cs typeface="Times New Roman" panose="02020603050405020304" pitchFamily="18" charset="0"/>
-            </a:endParaRPr>
-          </a:p>
-          <a:p>
-            <a:pPr marL="0" indent="0">
-              <a:buNone/>
-            </a:pPr>
-            <a:r>
-              <a:rPr lang="ru-RU" sz="2600" dirty="0" smtClean="0">
-                <a:latin typeface="Times New Roman" panose="02020603050405020304" pitchFamily="18" charset="0"/>
-                <a:cs typeface="Times New Roman" panose="02020603050405020304" pitchFamily="18" charset="0"/>
-              </a:rPr>
-              <a:t>	Каталогизатор </a:t>
-            </a:r>
-            <a:r>
-              <a:rPr lang="ru-RU" sz="2600" dirty="0">
-                <a:latin typeface="Times New Roman" panose="02020603050405020304" pitchFamily="18" charset="0"/>
-                <a:cs typeface="Times New Roman" panose="02020603050405020304" pitchFamily="18" charset="0"/>
-              </a:rPr>
-              <a:t>– это программа, которая помогает хранить музыку в удобном формате. </a:t>
-            </a:r>
-            <a:endParaRPr lang="en-US" sz="2600" dirty="0">
-              <a:latin typeface="Times New Roman" panose="02020603050405020304" pitchFamily="18" charset="0"/>
-              <a:cs typeface="Times New Roman" panose="02020603050405020304" pitchFamily="18" charset="0"/>
-            </a:endParaRPr>
-          </a:p>
-          <a:p>
-            <a:pPr marL="0" indent="0">
-              <a:buNone/>
-            </a:pPr>
-            <a:r>
-              <a:rPr lang="ru-RU" sz="2600" dirty="0" smtClean="0">
-                <a:latin typeface="Times New Roman" panose="02020603050405020304" pitchFamily="18" charset="0"/>
-                <a:cs typeface="Times New Roman" panose="02020603050405020304" pitchFamily="18" charset="0"/>
-              </a:rPr>
-              <a:t>	В </a:t>
-            </a:r>
-            <a:r>
-              <a:rPr lang="ru-RU" sz="2600" dirty="0">
-                <a:latin typeface="Times New Roman" panose="02020603050405020304" pitchFamily="18" charset="0"/>
-                <a:cs typeface="Times New Roman" panose="02020603050405020304" pitchFamily="18" charset="0"/>
-              </a:rPr>
-              <a:t>дипломной работе поднимается тема актуальности объединения онлайн и оффлайн каталогизаторов, всеобщих и индивидуальных чартов в единое приложение, а также подробно рассматривается процесс его создания.</a:t>
-            </a:r>
-            <a:endParaRPr lang="en-US" sz="2600" dirty="0">
-              <a:latin typeface="Times New Roman" panose="02020603050405020304" pitchFamily="18" charset="0"/>
-              <a:cs typeface="Times New Roman" panose="02020603050405020304" pitchFamily="18" charset="0"/>
-            </a:endParaRPr>
+              <a:t>Р</a:t>
+            </a:r>
+            <a:r>
+              <a:rPr lang="ru-RU" dirty="0" smtClean="0"/>
+              <a:t>азработать </a:t>
+            </a:r>
+            <a:r>
+              <a:rPr lang="ru-RU" dirty="0"/>
+              <a:t>веб-приложение для каталогизирования музыкальных </a:t>
+            </a:r>
+            <a:r>
+              <a:rPr lang="ru-RU" dirty="0" smtClean="0"/>
+              <a:t>произведений</a:t>
+            </a:r>
+          </a:p>
+          <a:p>
+            <a:r>
+              <a:rPr lang="ru-RU" dirty="0" smtClean="0"/>
+              <a:t>Добавить систему </a:t>
+            </a:r>
+            <a:r>
+              <a:rPr lang="ru-RU" dirty="0"/>
+              <a:t>авторизации </a:t>
+            </a:r>
+            <a:r>
+              <a:rPr lang="ru-RU" dirty="0" smtClean="0"/>
+              <a:t>для возможности создания личных чартов</a:t>
+            </a:r>
+            <a:endParaRPr lang="ru-RU" dirty="0"/>
+          </a:p>
+          <a:p>
+            <a:r>
+              <a:rPr lang="ru-RU" dirty="0" smtClean="0"/>
+              <a:t>Реализовать нейронную сеть, способную создавать индивидуальные музыкальные чарты на основе данных введённых пользователями</a:t>
+            </a:r>
+            <a:endParaRPr lang="ru-RU" dirty="0"/>
           </a:p>
         </p:txBody>
       </p:sp>
     </p:spTree>
     <p:extLst>
       <p:ext uri="{BB962C8B-B14F-4D97-AF65-F5344CB8AC3E}">
-        <p14:creationId xmlns:p14="http://schemas.microsoft.com/office/powerpoint/2010/main" val="3495983247"/>
+        <p14:creationId xmlns:p14="http://schemas.microsoft.com/office/powerpoint/2010/main" val="1154071350"/>
       </p:ext>
     </p:extLst>
   </p:cSld>
@@ -3878,7 +4101,7 @@
           <p:cNvPr id="2" name="Title 1">
             <a:extLst>
               <a:ext uri="{FF2B5EF4-FFF2-40B4-BE49-F238E27FC236}">
-                <a16:creationId xmlns:a16="http://schemas.microsoft.com/office/drawing/2014/main" id="{65BA7919-29E1-4CFD-BDCF-AEB8C06562E9}"/>
+                <a16:creationId xmlns:a16="http://schemas.microsoft.com/office/drawing/2014/main" id="{65516CFA-4F56-44B9-B447-B8CB172F945D}"/>
               </a:ext>
             </a:extLst>
           </p:cNvPr>
@@ -3889,15 +4112,20 @@
             <p:ph type="title"/>
           </p:nvPr>
         </p:nvSpPr>
-        <p:spPr/>
+        <p:spPr>
+          <a:xfrm>
+            <a:off x="838200" y="175847"/>
+            <a:ext cx="10515600" cy="1257299"/>
+          </a:xfrm>
+        </p:spPr>
         <p:txBody>
           <a:bodyPr/>
           <a:lstStyle/>
           <a:p>
             <a:pPr algn="ctr"/>
             <a:r>
-              <a:rPr lang="ru-RU" dirty="0"/>
-              <a:t>Задачи</a:t>
+              <a:rPr lang="ru-RU" dirty="0" smtClean="0"/>
+              <a:t>Технологии</a:t>
             </a:r>
             <a:endParaRPr lang="en-GB" dirty="0"/>
           </a:p>
@@ -3905,70 +4133,266 @@
       </p:sp>
       <p:sp>
         <p:nvSpPr>
-          <p:cNvPr id="3" name="Content Placeholder 2">
-            <a:extLst>
-              <a:ext uri="{FF2B5EF4-FFF2-40B4-BE49-F238E27FC236}">
-                <a16:creationId xmlns:a16="http://schemas.microsoft.com/office/drawing/2014/main" id="{15F46407-7C1E-42DC-9089-5BDD9CE70266}"/>
-              </a:ext>
-            </a:extLst>
-          </p:cNvPr>
-          <p:cNvSpPr>
-            <a:spLocks noGrp="1"/>
-          </p:cNvSpPr>
-          <p:nvPr>
-            <p:ph idx="1"/>
-          </p:nvPr>
-        </p:nvSpPr>
-        <p:spPr/>
-        <p:txBody>
-          <a:bodyPr/>
-          <a:lstStyle/>
-          <a:p>
-            <a:r>
-              <a:rPr lang="ru-RU" dirty="0"/>
-              <a:t>Р</a:t>
-            </a:r>
-            <a:r>
-              <a:rPr lang="ru-RU" dirty="0" smtClean="0"/>
-              <a:t>азработать </a:t>
-            </a:r>
-            <a:r>
-              <a:rPr lang="ru-RU" dirty="0"/>
-              <a:t>веб-приложение для каталогизирования музыкальных </a:t>
-            </a:r>
-            <a:r>
-              <a:rPr lang="ru-RU" dirty="0" smtClean="0"/>
-              <a:t>произведений</a:t>
-            </a:r>
-          </a:p>
-          <a:p>
-            <a:r>
-              <a:rPr lang="ru-RU" dirty="0" smtClean="0"/>
-              <a:t>Добавить систему </a:t>
-            </a:r>
-            <a:r>
-              <a:rPr lang="ru-RU" dirty="0"/>
-              <a:t>авторизации </a:t>
-            </a:r>
-            <a:r>
-              <a:rPr lang="ru-RU" dirty="0" smtClean="0"/>
-              <a:t>для возможности создания личных чартов</a:t>
-            </a:r>
-            <a:endParaRPr lang="ru-RU" dirty="0"/>
-          </a:p>
-          <a:p>
-            <a:r>
-              <a:rPr lang="ru-RU" dirty="0" smtClean="0"/>
-              <a:t>Реализовать нейронную сеть, способную создавать индивидуальные музыкальные чарты на основе данных введённых пользователями</a:t>
-            </a:r>
-            <a:endParaRPr lang="ru-RU" dirty="0"/>
-          </a:p>
-        </p:txBody>
-      </p:sp>
+          <p:cNvPr id="4" name="AutoShape 10" descr="ÐÐ°ÑÑÐ¸Ð½ÐºÐ¸ Ð¿Ð¾ Ð·Ð°Ð¿ÑÐ¾ÑÑ ngrx logo">
+            <a:extLst>
+              <a:ext uri="{FF2B5EF4-FFF2-40B4-BE49-F238E27FC236}">
+                <a16:creationId xmlns:a16="http://schemas.microsoft.com/office/drawing/2014/main" id="{2AEB0783-902E-4D03-BA66-C5ABDCB25006}"/>
+              </a:ext>
+            </a:extLst>
+          </p:cNvPr>
+          <p:cNvSpPr>
+            <a:spLocks noChangeAspect="1" noChangeArrowheads="1"/>
+          </p:cNvSpPr>
+          <p:nvPr/>
+        </p:nvSpPr>
+        <p:spPr bwMode="auto">
+          <a:xfrm>
+            <a:off x="5943600" y="3276600"/>
+            <a:ext cx="304800" cy="304800"/>
+          </a:xfrm>
+          <a:prstGeom prst="rect">
+            <a:avLst/>
+          </a:prstGeom>
+          <a:noFill/>
+          <a:extLst>
+            <a:ext uri="{909E8E84-426E-40DD-AFC4-6F175D3DCCD1}">
+              <a14:hiddenFill xmlns:a14="http://schemas.microsoft.com/office/drawing/2010/main">
+                <a:solidFill>
+                  <a:srgbClr val="FFFFFF"/>
+                </a:solidFill>
+              </a14:hiddenFill>
+            </a:ext>
+          </a:extLst>
+        </p:spPr>
+        <p:txBody>
+          <a:bodyPr vert="horz" wrap="square" lIns="91440" tIns="45720" rIns="91440" bIns="45720" numCol="1" anchor="t" anchorCtr="0" compatLnSpc="1">
+            <a:prstTxWarp prst="textNoShape">
+              <a:avLst/>
+            </a:prstTxWarp>
+          </a:bodyPr>
+          <a:lstStyle/>
+          <a:p>
+            <a:endParaRPr lang="en-GB"/>
+          </a:p>
+        </p:txBody>
+      </p:sp>
+      <p:sp>
+        <p:nvSpPr>
+          <p:cNvPr id="6" name="AutoShape 14" descr="ÐÐ°ÑÑÐ¸Ð½ÐºÐ¸ Ð¿Ð¾ Ð·Ð°Ð¿ÑÐ¾ÑÑ ngrx logo">
+            <a:extLst>
+              <a:ext uri="{FF2B5EF4-FFF2-40B4-BE49-F238E27FC236}">
+                <a16:creationId xmlns:a16="http://schemas.microsoft.com/office/drawing/2014/main" id="{1D6E2366-898B-4D39-B4F8-07BD407B837C}"/>
+              </a:ext>
+            </a:extLst>
+          </p:cNvPr>
+          <p:cNvSpPr>
+            <a:spLocks noChangeAspect="1" noChangeArrowheads="1"/>
+          </p:cNvSpPr>
+          <p:nvPr/>
+        </p:nvSpPr>
+        <p:spPr bwMode="auto">
+          <a:xfrm>
+            <a:off x="6096000" y="3429000"/>
+            <a:ext cx="304800" cy="304800"/>
+          </a:xfrm>
+          <a:prstGeom prst="rect">
+            <a:avLst/>
+          </a:prstGeom>
+          <a:noFill/>
+          <a:extLst>
+            <a:ext uri="{909E8E84-426E-40DD-AFC4-6F175D3DCCD1}">
+              <a14:hiddenFill xmlns:a14="http://schemas.microsoft.com/office/drawing/2010/main">
+                <a:solidFill>
+                  <a:srgbClr val="FFFFFF"/>
+                </a:solidFill>
+              </a14:hiddenFill>
+            </a:ext>
+          </a:extLst>
+        </p:spPr>
+        <p:txBody>
+          <a:bodyPr vert="horz" wrap="square" lIns="91440" tIns="45720" rIns="91440" bIns="45720" numCol="1" anchor="t" anchorCtr="0" compatLnSpc="1">
+            <a:prstTxWarp prst="textNoShape">
+              <a:avLst/>
+            </a:prstTxWarp>
+          </a:bodyPr>
+          <a:lstStyle/>
+          <a:p>
+            <a:endParaRPr lang="en-GB"/>
+          </a:p>
+        </p:txBody>
+      </p:sp>
+      <p:sp>
+        <p:nvSpPr>
+          <p:cNvPr id="8" name="AutoShape 32" descr="ÐÐ°ÑÑÐ¸Ð½ÐºÐ¸ Ð¿Ð¾ Ð·Ð°Ð¿ÑÐ¾ÑÑ socket.io logo">
+            <a:extLst>
+              <a:ext uri="{FF2B5EF4-FFF2-40B4-BE49-F238E27FC236}">
+                <a16:creationId xmlns:a16="http://schemas.microsoft.com/office/drawing/2014/main" id="{1194CE59-6A8F-47E3-9831-59AF8ECBB1C4}"/>
+              </a:ext>
+            </a:extLst>
+          </p:cNvPr>
+          <p:cNvSpPr>
+            <a:spLocks noChangeAspect="1" noChangeArrowheads="1"/>
+          </p:cNvSpPr>
+          <p:nvPr/>
+        </p:nvSpPr>
+        <p:spPr bwMode="auto">
+          <a:xfrm>
+            <a:off x="6248400" y="3581400"/>
+            <a:ext cx="304800" cy="304800"/>
+          </a:xfrm>
+          <a:prstGeom prst="rect">
+            <a:avLst/>
+          </a:prstGeom>
+          <a:noFill/>
+          <a:extLst>
+            <a:ext uri="{909E8E84-426E-40DD-AFC4-6F175D3DCCD1}">
+              <a14:hiddenFill xmlns:a14="http://schemas.microsoft.com/office/drawing/2010/main">
+                <a:solidFill>
+                  <a:srgbClr val="FFFFFF"/>
+                </a:solidFill>
+              </a14:hiddenFill>
+            </a:ext>
+          </a:extLst>
+        </p:spPr>
+        <p:txBody>
+          <a:bodyPr vert="horz" wrap="square" lIns="91440" tIns="45720" rIns="91440" bIns="45720" numCol="1" anchor="t" anchorCtr="0" compatLnSpc="1">
+            <a:prstTxWarp prst="textNoShape">
+              <a:avLst/>
+            </a:prstTxWarp>
+          </a:bodyPr>
+          <a:lstStyle/>
+          <a:p>
+            <a:endParaRPr lang="en-GB"/>
+          </a:p>
+        </p:txBody>
+      </p:sp>
+      <p:pic>
+        <p:nvPicPr>
+          <p:cNvPr id="3" name="Picture 2" descr="ÐÐ°ÑÑÐ¸Ð½ÐºÐ¸ Ð¿Ð¾ Ð·Ð°Ð¿ÑÐ¾ÑÑ asp net core"/>
+          <p:cNvPicPr>
+            <a:picLocks noChangeAspect="1" noChangeArrowheads="1"/>
+          </p:cNvPicPr>
+          <p:nvPr/>
+        </p:nvPicPr>
+        <p:blipFill>
+          <a:blip r:embed="rId2">
+            <a:extLst>
+              <a:ext uri="{28A0092B-C50C-407E-A947-70E740481C1C}">
+                <a14:useLocalDpi xmlns:a14="http://schemas.microsoft.com/office/drawing/2010/main" val="0"/>
+              </a:ext>
+            </a:extLst>
+          </a:blip>
+          <a:srcRect/>
+          <a:stretch>
+            <a:fillRect/>
+          </a:stretch>
+        </p:blipFill>
+        <p:spPr bwMode="auto">
+          <a:xfrm>
+            <a:off x="491091" y="1362809"/>
+            <a:ext cx="4027912" cy="2926950"/>
+          </a:xfrm>
+          <a:prstGeom prst="rect">
+            <a:avLst/>
+          </a:prstGeom>
+          <a:noFill/>
+          <a:extLst>
+            <a:ext uri="{909E8E84-426E-40DD-AFC4-6F175D3DCCD1}">
+              <a14:hiddenFill xmlns:a14="http://schemas.microsoft.com/office/drawing/2010/main">
+                <a:solidFill>
+                  <a:srgbClr val="FFFFFF"/>
+                </a:solidFill>
+              </a14:hiddenFill>
+            </a:ext>
+          </a:extLst>
+        </p:spPr>
+      </p:pic>
+      <p:pic>
+        <p:nvPicPr>
+          <p:cNvPr id="7" name="Picture 6" descr="ÐÐ°ÑÑÐ¸Ð½ÐºÐ¸ Ð¿Ð¾ Ð·Ð°Ð¿ÑÐ¾ÑÑ entity framework core"/>
+          <p:cNvPicPr>
+            <a:picLocks noChangeAspect="1" noChangeArrowheads="1"/>
+          </p:cNvPicPr>
+          <p:nvPr/>
+        </p:nvPicPr>
+        <p:blipFill>
+          <a:blip r:embed="rId3">
+            <a:extLst>
+              <a:ext uri="{28A0092B-C50C-407E-A947-70E740481C1C}">
+                <a14:useLocalDpi xmlns:a14="http://schemas.microsoft.com/office/drawing/2010/main" val="0"/>
+              </a:ext>
+            </a:extLst>
+          </a:blip>
+          <a:srcRect/>
+          <a:stretch>
+            <a:fillRect/>
+          </a:stretch>
+        </p:blipFill>
+        <p:spPr bwMode="auto">
+          <a:xfrm>
+            <a:off x="4387362" y="4170359"/>
+            <a:ext cx="3869026" cy="2356768"/>
+          </a:xfrm>
+          <a:prstGeom prst="rect">
+            <a:avLst/>
+          </a:prstGeom>
+          <a:noFill/>
+          <a:extLst>
+            <a:ext uri="{909E8E84-426E-40DD-AFC4-6F175D3DCCD1}">
+              <a14:hiddenFill xmlns:a14="http://schemas.microsoft.com/office/drawing/2010/main">
+                <a:solidFill>
+                  <a:srgbClr val="FFFFFF"/>
+                </a:solidFill>
+              </a14:hiddenFill>
+            </a:ext>
+          </a:extLst>
+        </p:spPr>
+      </p:pic>
+      <p:pic>
+        <p:nvPicPr>
+          <p:cNvPr id="9" name="Picture 8" descr="ÐÐ°ÑÑÐ¸Ð½ÐºÐ¸ Ð¿Ð¾ Ð·Ð°Ð¿ÑÐ¾ÑÑ ms sql server 2017"/>
+          <p:cNvPicPr>
+            <a:picLocks noChangeAspect="1" noChangeArrowheads="1"/>
+          </p:cNvPicPr>
+          <p:nvPr/>
+        </p:nvPicPr>
+        <p:blipFill>
+          <a:blip r:embed="rId4">
+            <a:extLst>
+              <a:ext uri="{28A0092B-C50C-407E-A947-70E740481C1C}">
+                <a14:useLocalDpi xmlns:a14="http://schemas.microsoft.com/office/drawing/2010/main" val="0"/>
+              </a:ext>
+            </a:extLst>
+          </a:blip>
+          <a:srcRect/>
+          <a:stretch>
+            <a:fillRect/>
+          </a:stretch>
+        </p:blipFill>
+        <p:spPr bwMode="auto">
+          <a:xfrm>
+            <a:off x="7672998" y="1526197"/>
+            <a:ext cx="3919773" cy="2360003"/>
+          </a:xfrm>
+          <a:prstGeom prst="rect">
+            <a:avLst/>
+          </a:prstGeom>
+          <a:noFill/>
+          <a:extLst>
+            <a:ext uri="{909E8E84-426E-40DD-AFC4-6F175D3DCCD1}">
+              <a14:hiddenFill xmlns:a14="http://schemas.microsoft.com/office/drawing/2010/main">
+                <a:solidFill>
+                  <a:srgbClr val="FFFFFF"/>
+                </a:solidFill>
+              </a14:hiddenFill>
+            </a:ext>
+          </a:extLst>
+        </p:spPr>
+      </p:pic>
     </p:spTree>
     <p:extLst>
       <p:ext uri="{BB962C8B-B14F-4D97-AF65-F5344CB8AC3E}">
-        <p14:creationId xmlns:p14="http://schemas.microsoft.com/office/powerpoint/2010/main" val="1154071350"/>
+        <p14:creationId xmlns:p14="http://schemas.microsoft.com/office/powerpoint/2010/main" val="455019936"/>
       </p:ext>
     </p:extLst>
   </p:cSld>
@@ -4000,7 +4424,7 @@
           <p:cNvPr id="2" name="Title 1">
             <a:extLst>
               <a:ext uri="{FF2B5EF4-FFF2-40B4-BE49-F238E27FC236}">
-                <a16:creationId xmlns:a16="http://schemas.microsoft.com/office/drawing/2014/main" id="{65516CFA-4F56-44B9-B447-B8CB172F945D}"/>
+                <a16:creationId xmlns:a16="http://schemas.microsoft.com/office/drawing/2014/main" id="{264769EF-D719-4DF6-BDB3-8380CEB18996}"/>
               </a:ext>
             </a:extLst>
           </p:cNvPr>
@@ -4013,8 +4437,8 @@
         </p:nvSpPr>
         <p:spPr>
           <a:xfrm>
-            <a:off x="838200" y="175847"/>
-            <a:ext cx="10515600" cy="1257299"/>
+            <a:off x="838200" y="105509"/>
+            <a:ext cx="10515600" cy="720968"/>
           </a:xfrm>
         </p:spPr>
         <p:txBody>
@@ -4023,154 +4447,17 @@
           <a:p>
             <a:pPr algn="ctr"/>
             <a:r>
-              <a:rPr lang="ru-RU" dirty="0"/>
-              <a:t>Технологии</a:t>
+              <a:rPr lang="ru-RU" dirty="0" smtClean="0"/>
+              <a:t>Внешняя база данных</a:t>
             </a:r>
             <a:endParaRPr lang="en-GB" dirty="0"/>
-          </a:p>
-        </p:txBody>
-      </p:sp>
-      <p:sp>
-        <p:nvSpPr>
-          <p:cNvPr id="4" name="AutoShape 10" descr="ÐÐ°ÑÑÐ¸Ð½ÐºÐ¸ Ð¿Ð¾ Ð·Ð°Ð¿ÑÐ¾ÑÑ ngrx logo">
-            <a:extLst>
-              <a:ext uri="{FF2B5EF4-FFF2-40B4-BE49-F238E27FC236}">
-                <a16:creationId xmlns:a16="http://schemas.microsoft.com/office/drawing/2014/main" id="{2AEB0783-902E-4D03-BA66-C5ABDCB25006}"/>
-              </a:ext>
-            </a:extLst>
-          </p:cNvPr>
-          <p:cNvSpPr>
-            <a:spLocks noChangeAspect="1" noChangeArrowheads="1"/>
-          </p:cNvSpPr>
-          <p:nvPr/>
-        </p:nvSpPr>
-        <p:spPr bwMode="auto">
-          <a:xfrm>
-            <a:off x="5943600" y="3276600"/>
-            <a:ext cx="304800" cy="304800"/>
-          </a:xfrm>
-          <a:prstGeom prst="rect">
-            <a:avLst/>
-          </a:prstGeom>
-          <a:noFill/>
-          <a:extLst>
-            <a:ext uri="{909E8E84-426E-40DD-AFC4-6F175D3DCCD1}">
-              <a14:hiddenFill xmlns:a14="http://schemas.microsoft.com/office/drawing/2010/main">
-                <a:solidFill>
-                  <a:srgbClr val="FFFFFF"/>
-                </a:solidFill>
-              </a14:hiddenFill>
-            </a:ext>
-          </a:extLst>
-        </p:spPr>
-        <p:txBody>
-          <a:bodyPr vert="horz" wrap="square" lIns="91440" tIns="45720" rIns="91440" bIns="45720" numCol="1" anchor="t" anchorCtr="0" compatLnSpc="1">
-            <a:prstTxWarp prst="textNoShape">
-              <a:avLst/>
-            </a:prstTxWarp>
-          </a:bodyPr>
-          <a:lstStyle/>
-          <a:p>
-            <a:endParaRPr lang="en-GB"/>
-          </a:p>
-        </p:txBody>
-      </p:sp>
-      <p:sp>
-        <p:nvSpPr>
-          <p:cNvPr id="6" name="AutoShape 14" descr="ÐÐ°ÑÑÐ¸Ð½ÐºÐ¸ Ð¿Ð¾ Ð·Ð°Ð¿ÑÐ¾ÑÑ ngrx logo">
-            <a:extLst>
-              <a:ext uri="{FF2B5EF4-FFF2-40B4-BE49-F238E27FC236}">
-                <a16:creationId xmlns:a16="http://schemas.microsoft.com/office/drawing/2014/main" id="{1D6E2366-898B-4D39-B4F8-07BD407B837C}"/>
-              </a:ext>
-            </a:extLst>
-          </p:cNvPr>
-          <p:cNvSpPr>
-            <a:spLocks noChangeAspect="1" noChangeArrowheads="1"/>
-          </p:cNvSpPr>
-          <p:nvPr/>
-        </p:nvSpPr>
-        <p:spPr bwMode="auto">
-          <a:xfrm>
-            <a:off x="6096000" y="3429000"/>
-            <a:ext cx="304800" cy="304800"/>
-          </a:xfrm>
-          <a:prstGeom prst="rect">
-            <a:avLst/>
-          </a:prstGeom>
-          <a:noFill/>
-          <a:extLst>
-            <a:ext uri="{909E8E84-426E-40DD-AFC4-6F175D3DCCD1}">
-              <a14:hiddenFill xmlns:a14="http://schemas.microsoft.com/office/drawing/2010/main">
-                <a:solidFill>
-                  <a:srgbClr val="FFFFFF"/>
-                </a:solidFill>
-              </a14:hiddenFill>
-            </a:ext>
-          </a:extLst>
-        </p:spPr>
-        <p:txBody>
-          <a:bodyPr vert="horz" wrap="square" lIns="91440" tIns="45720" rIns="91440" bIns="45720" numCol="1" anchor="t" anchorCtr="0" compatLnSpc="1">
-            <a:prstTxWarp prst="textNoShape">
-              <a:avLst/>
-            </a:prstTxWarp>
-          </a:bodyPr>
-          <a:lstStyle/>
-          <a:p>
-            <a:endParaRPr lang="en-GB"/>
-          </a:p>
-        </p:txBody>
-      </p:sp>
-      <p:sp>
-        <p:nvSpPr>
-          <p:cNvPr id="8" name="AutoShape 32" descr="ÐÐ°ÑÑÐ¸Ð½ÐºÐ¸ Ð¿Ð¾ Ð·Ð°Ð¿ÑÐ¾ÑÑ socket.io logo">
-            <a:extLst>
-              <a:ext uri="{FF2B5EF4-FFF2-40B4-BE49-F238E27FC236}">
-                <a16:creationId xmlns:a16="http://schemas.microsoft.com/office/drawing/2014/main" id="{1194CE59-6A8F-47E3-9831-59AF8ECBB1C4}"/>
-              </a:ext>
-            </a:extLst>
-          </p:cNvPr>
-          <p:cNvSpPr>
-            <a:spLocks noChangeAspect="1" noChangeArrowheads="1"/>
-          </p:cNvSpPr>
-          <p:nvPr/>
-        </p:nvSpPr>
-        <p:spPr bwMode="auto">
-          <a:xfrm>
-            <a:off x="6248400" y="3581400"/>
-            <a:ext cx="304800" cy="304800"/>
-          </a:xfrm>
-          <a:prstGeom prst="rect">
-            <a:avLst/>
-          </a:prstGeom>
-          <a:noFill/>
-          <a:extLst>
-            <a:ext uri="{909E8E84-426E-40DD-AFC4-6F175D3DCCD1}">
-              <a14:hiddenFill xmlns:a14="http://schemas.microsoft.com/office/drawing/2010/main">
-                <a:solidFill>
-                  <a:srgbClr val="FFFFFF"/>
-                </a:solidFill>
-              </a14:hiddenFill>
-            </a:ext>
-          </a:extLst>
-        </p:spPr>
-        <p:txBody>
-          <a:bodyPr vert="horz" wrap="square" lIns="91440" tIns="45720" rIns="91440" bIns="45720" numCol="1" anchor="t" anchorCtr="0" compatLnSpc="1">
-            <a:prstTxWarp prst="textNoShape">
-              <a:avLst/>
-            </a:prstTxWarp>
-          </a:bodyPr>
-          <a:lstStyle/>
-          <a:p>
-            <a:endParaRPr lang="en-GB"/>
           </a:p>
         </p:txBody>
       </p:sp>
       <p:pic>
         <p:nvPicPr>
-          <p:cNvPr id="3" name="Picture 2" descr="ÐÐ°ÑÑÐ¸Ð½ÐºÐ¸ Ð¿Ð¾ Ð·Ð°Ð¿ÑÐ¾ÑÑ asp net core"/>
-          <p:cNvPicPr>
-            <a:picLocks noChangeAspect="1" noChangeArrowheads="1"/>
-          </p:cNvPicPr>
+          <p:cNvPr id="5" name="Picture 4" descr="https://i.snag.gy/tmVjJO.jpg"/>
+          <p:cNvPicPr/>
           <p:nvPr/>
         </p:nvPicPr>
         <p:blipFill>
@@ -4188,30 +4475,22 @@
         </p:blipFill>
         <p:spPr bwMode="auto">
           <a:xfrm>
-            <a:off x="491091" y="1362809"/>
-            <a:ext cx="4027912" cy="2926950"/>
+            <a:off x="838200" y="1864269"/>
+            <a:ext cx="4914900" cy="3596055"/>
           </a:xfrm>
           <a:prstGeom prst="rect">
             <a:avLst/>
           </a:prstGeom>
           <a:noFill/>
-          <a:extLst>
-            <a:ext uri="{909E8E84-426E-40DD-AFC4-6F175D3DCCD1}">
-              <a14:hiddenFill xmlns:a14="http://schemas.microsoft.com/office/drawing/2010/main">
-                <a:solidFill>
-                  <a:srgbClr val="FFFFFF"/>
-                </a:solidFill>
-              </a14:hiddenFill>
-            </a:ext>
-          </a:extLst>
+          <a:ln>
+            <a:noFill/>
+          </a:ln>
         </p:spPr>
       </p:pic>
       <p:pic>
         <p:nvPicPr>
-          <p:cNvPr id="7" name="Picture 6" descr="ÐÐ°ÑÑÐ¸Ð½ÐºÐ¸ Ð¿Ð¾ Ð·Ð°Ð¿ÑÐ¾ÑÑ entity framework core"/>
-          <p:cNvPicPr>
-            <a:picLocks noChangeAspect="1" noChangeArrowheads="1"/>
-          </p:cNvPicPr>
+          <p:cNvPr id="6" name="Picture 5" descr="https://i.snag.gy/vfmds0.jpg"/>
+          <p:cNvPicPr/>
           <p:nvPr/>
         </p:nvPicPr>
         <p:blipFill>
@@ -4229,69 +4508,168 @@
         </p:blipFill>
         <p:spPr bwMode="auto">
           <a:xfrm>
-            <a:off x="4387362" y="4170359"/>
-            <a:ext cx="3869026" cy="2356768"/>
+            <a:off x="6845130" y="826477"/>
+            <a:ext cx="4092502" cy="4663027"/>
           </a:xfrm>
           <a:prstGeom prst="rect">
             <a:avLst/>
           </a:prstGeom>
           <a:noFill/>
-          <a:extLst>
-            <a:ext uri="{909E8E84-426E-40DD-AFC4-6F175D3DCCD1}">
-              <a14:hiddenFill xmlns:a14="http://schemas.microsoft.com/office/drawing/2010/main">
-                <a:solidFill>
-                  <a:srgbClr val="FFFFFF"/>
-                </a:solidFill>
-              </a14:hiddenFill>
-            </a:ext>
-          </a:extLst>
+          <a:ln>
+            <a:noFill/>
+          </a:ln>
         </p:spPr>
       </p:pic>
-      <p:pic>
-        <p:nvPicPr>
-          <p:cNvPr id="9" name="Picture 8" descr="ÐÐ°ÑÑÐ¸Ð½ÐºÐ¸ Ð¿Ð¾ Ð·Ð°Ð¿ÑÐ¾ÑÑ ms sql server 2017"/>
-          <p:cNvPicPr>
-            <a:picLocks noChangeAspect="1" noChangeArrowheads="1"/>
-          </p:cNvPicPr>
+      <p:sp>
+        <p:nvSpPr>
+          <p:cNvPr id="3" name="Rectangle 2"/>
+          <p:cNvSpPr/>
           <p:nvPr/>
-        </p:nvPicPr>
-        <p:blipFill>
-          <a:blip r:embed="rId4">
-            <a:extLst>
-              <a:ext uri="{28A0092B-C50C-407E-A947-70E740481C1C}">
-                <a14:useLocalDpi xmlns:a14="http://schemas.microsoft.com/office/drawing/2010/main" val="0"/>
-              </a:ext>
-            </a:extLst>
-          </a:blip>
-          <a:srcRect/>
-          <a:stretch>
-            <a:fillRect/>
-          </a:stretch>
-        </p:blipFill>
-        <p:spPr bwMode="auto">
-          <a:xfrm>
-            <a:off x="7672998" y="1526197"/>
-            <a:ext cx="3919773" cy="2360003"/>
+        </p:nvSpPr>
+        <p:spPr>
+          <a:xfrm>
+            <a:off x="6664569" y="5627077"/>
+            <a:ext cx="5284177" cy="307777"/>
           </a:xfrm>
           <a:prstGeom prst="rect">
             <a:avLst/>
           </a:prstGeom>
-          <a:noFill/>
-          <a:extLst>
-            <a:ext uri="{909E8E84-426E-40DD-AFC4-6F175D3DCCD1}">
-              <a14:hiddenFill xmlns:a14="http://schemas.microsoft.com/office/drawing/2010/main">
+        </p:spPr>
+        <p:txBody>
+          <a:bodyPr wrap="square">
+            <a:spAutoFit/>
+          </a:bodyPr>
+          <a:lstStyle/>
+          <a:p>
+            <a:pPr algn="ctr"/>
+            <a:r>
+              <a:rPr lang="ru-RU" sz="1400" dirty="0" smtClean="0">
                 <a:solidFill>
-                  <a:srgbClr val="FFFFFF"/>
+                  <a:srgbClr val="000000"/>
                 </a:solidFill>
-              </a14:hiddenFill>
-            </a:ext>
-          </a:extLst>
-        </p:spPr>
-      </p:pic>
+                <a:latin typeface="Times New Roman" panose="02020603050405020304" pitchFamily="18" charset="0"/>
+                <a:ea typeface="Calibri" panose="020F0502020204030204" pitchFamily="34" charset="0"/>
+                <a:cs typeface="Times New Roman" panose="02020603050405020304" pitchFamily="18" charset="0"/>
+              </a:rPr>
+              <a:t>Результаты </a:t>
+            </a:r>
+            <a:r>
+              <a:rPr lang="ru-RU" sz="1400" dirty="0" smtClean="0">
+                <a:solidFill>
+                  <a:srgbClr val="000000"/>
+                </a:solidFill>
+                <a:latin typeface="Times New Roman" panose="02020603050405020304" pitchFamily="18" charset="0"/>
+                <a:ea typeface="Calibri" panose="020F0502020204030204" pitchFamily="34" charset="0"/>
+                <a:cs typeface="Times New Roman" panose="02020603050405020304" pitchFamily="18" charset="0"/>
+              </a:rPr>
+              <a:t>запроса</a:t>
+            </a:r>
+            <a:endParaRPr lang="en-US" sz="1400" dirty="0">
+              <a:latin typeface="Times New Roman" panose="02020603050405020304" pitchFamily="18" charset="0"/>
+              <a:cs typeface="Times New Roman" panose="02020603050405020304" pitchFamily="18" charset="0"/>
+            </a:endParaRPr>
+          </a:p>
+        </p:txBody>
+      </p:sp>
+      <p:sp>
+        <p:nvSpPr>
+          <p:cNvPr id="8" name="Rectangle 7"/>
+          <p:cNvSpPr/>
+          <p:nvPr/>
+        </p:nvSpPr>
+        <p:spPr>
+          <a:xfrm>
+            <a:off x="633045" y="5460324"/>
+            <a:ext cx="5120055" cy="307777"/>
+          </a:xfrm>
+          <a:prstGeom prst="rect">
+            <a:avLst/>
+          </a:prstGeom>
+        </p:spPr>
+        <p:txBody>
+          <a:bodyPr wrap="square">
+            <a:spAutoFit/>
+          </a:bodyPr>
+          <a:lstStyle/>
+          <a:p>
+            <a:pPr algn="ctr"/>
+            <a:r>
+              <a:rPr lang="ru-RU" sz="1400" dirty="0">
+                <a:solidFill>
+                  <a:srgbClr val="000000"/>
+                </a:solidFill>
+                <a:latin typeface="Times New Roman" panose="02020603050405020304" pitchFamily="18" charset="0"/>
+                <a:ea typeface="Calibri" panose="020F0502020204030204" pitchFamily="34" charset="0"/>
+                <a:cs typeface="Times New Roman" panose="02020603050405020304" pitchFamily="18" charset="0"/>
+              </a:rPr>
+              <a:t>Методы </a:t>
+            </a:r>
+            <a:r>
+              <a:rPr lang="en-US" sz="1400" dirty="0">
+                <a:solidFill>
+                  <a:srgbClr val="000000"/>
+                </a:solidFill>
+                <a:latin typeface="Times New Roman" panose="02020603050405020304" pitchFamily="18" charset="0"/>
+                <a:ea typeface="Calibri" panose="020F0502020204030204" pitchFamily="34" charset="0"/>
+                <a:cs typeface="Times New Roman" panose="02020603050405020304" pitchFamily="18" charset="0"/>
+              </a:rPr>
+              <a:t>API</a:t>
+            </a:r>
+            <a:r>
+              <a:rPr lang="ru-RU" sz="1400" dirty="0">
+                <a:solidFill>
+                  <a:srgbClr val="000000"/>
+                </a:solidFill>
+                <a:latin typeface="Times New Roman" panose="02020603050405020304" pitchFamily="18" charset="0"/>
+                <a:ea typeface="Calibri" panose="020F0502020204030204" pitchFamily="34" charset="0"/>
+                <a:cs typeface="Times New Roman" panose="02020603050405020304" pitchFamily="18" charset="0"/>
+              </a:rPr>
+              <a:t> сайта </a:t>
+            </a:r>
+            <a:r>
+              <a:rPr lang="en-US" sz="1400" dirty="0">
+                <a:solidFill>
+                  <a:srgbClr val="000000"/>
+                </a:solidFill>
+                <a:latin typeface="Times New Roman" panose="02020603050405020304" pitchFamily="18" charset="0"/>
+                <a:ea typeface="Calibri" panose="020F0502020204030204" pitchFamily="34" charset="0"/>
+                <a:cs typeface="Times New Roman" panose="02020603050405020304" pitchFamily="18" charset="0"/>
+              </a:rPr>
+              <a:t>last</a:t>
+            </a:r>
+            <a:r>
+              <a:rPr lang="ru-RU" sz="1400" dirty="0">
+                <a:solidFill>
+                  <a:srgbClr val="000000"/>
+                </a:solidFill>
+                <a:latin typeface="Times New Roman" panose="02020603050405020304" pitchFamily="18" charset="0"/>
+                <a:ea typeface="Calibri" panose="020F0502020204030204" pitchFamily="34" charset="0"/>
+                <a:cs typeface="Times New Roman" panose="02020603050405020304" pitchFamily="18" charset="0"/>
+              </a:rPr>
+              <a:t>.</a:t>
+            </a:r>
+            <a:r>
+              <a:rPr lang="en-US" sz="1400" dirty="0">
+                <a:solidFill>
+                  <a:srgbClr val="000000"/>
+                </a:solidFill>
+                <a:latin typeface="Times New Roman" panose="02020603050405020304" pitchFamily="18" charset="0"/>
+                <a:ea typeface="Calibri" panose="020F0502020204030204" pitchFamily="34" charset="0"/>
+                <a:cs typeface="Times New Roman" panose="02020603050405020304" pitchFamily="18" charset="0"/>
+              </a:rPr>
+              <a:t>fm</a:t>
+            </a:r>
+            <a:endParaRPr lang="en-US" sz="1400" dirty="0">
+              <a:latin typeface="Times New Roman" panose="02020603050405020304" pitchFamily="18" charset="0"/>
+              <a:cs typeface="Times New Roman" panose="02020603050405020304" pitchFamily="18" charset="0"/>
+            </a:endParaRPr>
+          </a:p>
+        </p:txBody>
+      </p:sp>
     </p:spTree>
     <p:extLst>
       <p:ext uri="{BB962C8B-B14F-4D97-AF65-F5344CB8AC3E}">
-        <p14:creationId xmlns:p14="http://schemas.microsoft.com/office/powerpoint/2010/main" val="455019936"/>
+        <p14:creationId xmlns:p14="http://schemas.microsoft.com/office/powerpoint/2010/main" val="926567122"/>
       </p:ext>
     </p:extLst>
   </p:cSld>
@@ -4323,7 +4701,7 @@
           <p:cNvPr id="2" name="Title 1">
             <a:extLst>
               <a:ext uri="{FF2B5EF4-FFF2-40B4-BE49-F238E27FC236}">
-                <a16:creationId xmlns:a16="http://schemas.microsoft.com/office/drawing/2014/main" id="{264769EF-D719-4DF6-BDB3-8380CEB18996}"/>
+                <a16:creationId xmlns:a16="http://schemas.microsoft.com/office/drawing/2014/main" id="{0AEA55F1-79EC-4D65-A6D4-829C0DAFDDDD}"/>
               </a:ext>
             </a:extLst>
           </p:cNvPr>
@@ -4336,26 +4714,20 @@
         </p:nvSpPr>
         <p:spPr>
           <a:xfrm>
-            <a:off x="838200" y="105509"/>
-            <a:ext cx="10515600" cy="720968"/>
-          </a:xfrm>
-        </p:spPr>
-        <p:txBody>
-          <a:bodyPr/>
+            <a:off x="838200" y="254978"/>
+            <a:ext cx="10515600" cy="791308"/>
+          </a:xfrm>
+        </p:spPr>
+        <p:txBody>
+          <a:bodyPr>
+            <a:normAutofit/>
+          </a:bodyPr>
           <a:lstStyle/>
           <a:p>
             <a:pPr algn="ctr"/>
             <a:r>
-              <a:rPr lang="en-US" dirty="0" smtClean="0"/>
-              <a:t>API </a:t>
-            </a:r>
-            <a:r>
               <a:rPr lang="ru-RU" dirty="0" smtClean="0"/>
-              <a:t>сайта </a:t>
-            </a:r>
-            <a:r>
-              <a:rPr lang="en-US" dirty="0" smtClean="0"/>
-              <a:t>last.fm</a:t>
+              <a:t>Архитектура и структура проекта</a:t>
             </a:r>
             <a:endParaRPr lang="en-GB" dirty="0"/>
           </a:p>
@@ -4363,297 +4735,166 @@
       </p:sp>
       <p:pic>
         <p:nvPicPr>
-          <p:cNvPr id="5" name="Picture 4" descr="https://i.snag.gy/tmVjJO.jpg"/>
+          <p:cNvPr id="5" name="Picture 4"/>
           <p:cNvPicPr/>
           <p:nvPr/>
         </p:nvPicPr>
         <p:blipFill>
-          <a:blip r:embed="rId2">
-            <a:extLst>
-              <a:ext uri="{28A0092B-C50C-407E-A947-70E740481C1C}">
-                <a14:useLocalDpi xmlns:a14="http://schemas.microsoft.com/office/drawing/2010/main" val="0"/>
-              </a:ext>
-            </a:extLst>
-          </a:blip>
-          <a:srcRect/>
+          <a:blip r:embed="rId2"/>
           <a:stretch>
             <a:fillRect/>
           </a:stretch>
         </p:blipFill>
-        <p:spPr bwMode="auto">
-          <a:xfrm>
-            <a:off x="838200" y="1864269"/>
-            <a:ext cx="4914900" cy="3596055"/>
+        <p:spPr>
+          <a:xfrm>
+            <a:off x="7888164" y="1293019"/>
+            <a:ext cx="2574681" cy="2901461"/>
           </a:xfrm>
           <a:prstGeom prst="rect">
             <a:avLst/>
           </a:prstGeom>
-          <a:noFill/>
-          <a:ln>
-            <a:noFill/>
-          </a:ln>
         </p:spPr>
       </p:pic>
+      <p:sp>
+        <p:nvSpPr>
+          <p:cNvPr id="4" name="Rectangle 3"/>
+          <p:cNvSpPr/>
+          <p:nvPr/>
+        </p:nvSpPr>
+        <p:spPr>
+          <a:xfrm>
+            <a:off x="1178169" y="4441214"/>
+            <a:ext cx="10700239" cy="1338828"/>
+          </a:xfrm>
+          <a:prstGeom prst="rect">
+            <a:avLst/>
+          </a:prstGeom>
+        </p:spPr>
+        <p:txBody>
+          <a:bodyPr wrap="square">
+            <a:spAutoFit/>
+          </a:bodyPr>
+          <a:lstStyle/>
+          <a:p>
+            <a:pPr indent="421005" algn="just">
+              <a:lnSpc>
+                <a:spcPct val="150000"/>
+              </a:lnSpc>
+            </a:pPr>
+            <a:r>
+              <a:rPr lang="en-US" dirty="0">
+                <a:solidFill>
+                  <a:srgbClr val="000000"/>
+                </a:solidFill>
+                <a:latin typeface="Times New Roman" panose="02020603050405020304" pitchFamily="18" charset="0"/>
+                <a:ea typeface="Times New Roman" panose="02020603050405020304" pitchFamily="18" charset="0"/>
+              </a:rPr>
+              <a:t>MVC</a:t>
+            </a:r>
+            <a:r>
+              <a:rPr lang="ru-RU" dirty="0">
+                <a:solidFill>
+                  <a:srgbClr val="000000"/>
+                </a:solidFill>
+                <a:latin typeface="Times New Roman" panose="02020603050405020304" pitchFamily="18" charset="0"/>
+                <a:ea typeface="Times New Roman" panose="02020603050405020304" pitchFamily="18" charset="0"/>
+              </a:rPr>
+              <a:t> (</a:t>
+            </a:r>
+            <a:r>
+              <a:rPr lang="en-US" dirty="0">
+                <a:solidFill>
+                  <a:srgbClr val="000000"/>
+                </a:solidFill>
+                <a:latin typeface="Times New Roman" panose="02020603050405020304" pitchFamily="18" charset="0"/>
+                <a:ea typeface="Times New Roman" panose="02020603050405020304" pitchFamily="18" charset="0"/>
+              </a:rPr>
+              <a:t>Model</a:t>
+            </a:r>
+            <a:r>
+              <a:rPr lang="ru-RU" dirty="0">
+                <a:solidFill>
+                  <a:srgbClr val="000000"/>
+                </a:solidFill>
+                <a:latin typeface="Times New Roman" panose="02020603050405020304" pitchFamily="18" charset="0"/>
+                <a:ea typeface="Times New Roman" panose="02020603050405020304" pitchFamily="18" charset="0"/>
+              </a:rPr>
+              <a:t> – </a:t>
+            </a:r>
+            <a:r>
+              <a:rPr lang="en-US" dirty="0">
+                <a:solidFill>
+                  <a:srgbClr val="000000"/>
+                </a:solidFill>
+                <a:latin typeface="Times New Roman" panose="02020603050405020304" pitchFamily="18" charset="0"/>
+                <a:ea typeface="Times New Roman" panose="02020603050405020304" pitchFamily="18" charset="0"/>
+              </a:rPr>
+              <a:t>View</a:t>
+            </a:r>
+            <a:r>
+              <a:rPr lang="ru-RU" dirty="0">
+                <a:solidFill>
+                  <a:srgbClr val="000000"/>
+                </a:solidFill>
+                <a:latin typeface="Times New Roman" panose="02020603050405020304" pitchFamily="18" charset="0"/>
+                <a:ea typeface="Times New Roman" panose="02020603050405020304" pitchFamily="18" charset="0"/>
+              </a:rPr>
+              <a:t> – </a:t>
+            </a:r>
+            <a:r>
+              <a:rPr lang="en-US" dirty="0">
+                <a:solidFill>
+                  <a:srgbClr val="000000"/>
+                </a:solidFill>
+                <a:latin typeface="Times New Roman" panose="02020603050405020304" pitchFamily="18" charset="0"/>
+                <a:ea typeface="Times New Roman" panose="02020603050405020304" pitchFamily="18" charset="0"/>
+              </a:rPr>
+              <a:t>Controller</a:t>
+            </a:r>
+            <a:r>
+              <a:rPr lang="ru-RU" dirty="0">
+                <a:solidFill>
+                  <a:srgbClr val="000000"/>
+                </a:solidFill>
+                <a:latin typeface="Times New Roman" panose="02020603050405020304" pitchFamily="18" charset="0"/>
+                <a:ea typeface="Times New Roman" panose="02020603050405020304" pitchFamily="18" charset="0"/>
+              </a:rPr>
+              <a:t>) – это схема разделения данных приложения, пользовательского интерфейса и управляющей логики на три отдельных компонента: модель, представление и контроллер – таким образом, что модификация каждого компонента может осуществлять независимо друг от друга.</a:t>
+            </a:r>
+            <a:endParaRPr lang="en-US" sz="1600" dirty="0">
+              <a:effectLst/>
+              <a:latin typeface="Times New Roman" panose="02020603050405020304" pitchFamily="18" charset="0"/>
+              <a:ea typeface="Times New Roman" panose="02020603050405020304" pitchFamily="18" charset="0"/>
+            </a:endParaRPr>
+          </a:p>
+        </p:txBody>
+      </p:sp>
       <p:pic>
         <p:nvPicPr>
-          <p:cNvPr id="6" name="Picture 5" descr="https://i.snag.gy/vfmds0.jpg"/>
+          <p:cNvPr id="6" name="Picture 5"/>
           <p:cNvPicPr/>
           <p:nvPr/>
         </p:nvPicPr>
         <p:blipFill>
-          <a:blip r:embed="rId3">
-            <a:extLst>
-              <a:ext uri="{28A0092B-C50C-407E-A947-70E740481C1C}">
-                <a14:useLocalDpi xmlns:a14="http://schemas.microsoft.com/office/drawing/2010/main" val="0"/>
-              </a:ext>
-            </a:extLst>
-          </a:blip>
-          <a:srcRect/>
+          <a:blip r:embed="rId3"/>
           <a:stretch>
             <a:fillRect/>
           </a:stretch>
         </p:blipFill>
-        <p:spPr bwMode="auto">
-          <a:xfrm>
-            <a:off x="6845130" y="826477"/>
-            <a:ext cx="4092502" cy="4663027"/>
+        <p:spPr>
+          <a:xfrm>
+            <a:off x="2162908" y="1293019"/>
+            <a:ext cx="3665294" cy="2849807"/>
           </a:xfrm>
           <a:prstGeom prst="rect">
             <a:avLst/>
           </a:prstGeom>
-          <a:noFill/>
-          <a:ln>
-            <a:noFill/>
-          </a:ln>
         </p:spPr>
       </p:pic>
-      <p:sp>
-        <p:nvSpPr>
-          <p:cNvPr id="3" name="Rectangle 2"/>
-          <p:cNvSpPr/>
-          <p:nvPr/>
-        </p:nvSpPr>
-        <p:spPr>
-          <a:xfrm>
-            <a:off x="6664569" y="5627077"/>
-            <a:ext cx="5284177" cy="738664"/>
-          </a:xfrm>
-          <a:prstGeom prst="rect">
-            <a:avLst/>
-          </a:prstGeom>
-        </p:spPr>
-        <p:txBody>
-          <a:bodyPr wrap="square">
-            <a:spAutoFit/>
-          </a:bodyPr>
-          <a:lstStyle/>
-          <a:p>
-            <a:pPr algn="ctr"/>
-            <a:r>
-              <a:rPr lang="ru-RU" sz="1400" dirty="0" smtClean="0">
-                <a:solidFill>
-                  <a:srgbClr val="000000"/>
-                </a:solidFill>
-                <a:latin typeface="Times New Roman" panose="02020603050405020304" pitchFamily="18" charset="0"/>
-                <a:ea typeface="Calibri" panose="020F0502020204030204" pitchFamily="34" charset="0"/>
-                <a:cs typeface="Times New Roman" panose="02020603050405020304" pitchFamily="18" charset="0"/>
-              </a:rPr>
-              <a:t>Результаты запроса http</a:t>
-            </a:r>
-            <a:r>
-              <a:rPr lang="ru-RU" sz="1400" dirty="0">
-                <a:solidFill>
-                  <a:srgbClr val="000000"/>
-                </a:solidFill>
-                <a:latin typeface="Times New Roman" panose="02020603050405020304" pitchFamily="18" charset="0"/>
-                <a:ea typeface="Calibri" panose="020F0502020204030204" pitchFamily="34" charset="0"/>
-                <a:cs typeface="Times New Roman" panose="02020603050405020304" pitchFamily="18" charset="0"/>
-              </a:rPr>
-              <a:t>://ws.audioscrobbler.com/2.0</a:t>
-            </a:r>
-            <a:r>
-              <a:rPr lang="ru-RU" sz="1400" dirty="0" smtClean="0">
-                <a:solidFill>
-                  <a:srgbClr val="000000"/>
-                </a:solidFill>
-                <a:latin typeface="Times New Roman" panose="02020603050405020304" pitchFamily="18" charset="0"/>
-                <a:ea typeface="Calibri" panose="020F0502020204030204" pitchFamily="34" charset="0"/>
-                <a:cs typeface="Times New Roman" panose="02020603050405020304" pitchFamily="18" charset="0"/>
-              </a:rPr>
-              <a:t>/ ?</a:t>
-            </a:r>
-            <a:r>
-              <a:rPr lang="ru-RU" sz="1400" dirty="0" err="1" smtClean="0">
-                <a:solidFill>
-                  <a:srgbClr val="000000"/>
-                </a:solidFill>
-                <a:latin typeface="Times New Roman" panose="02020603050405020304" pitchFamily="18" charset="0"/>
-                <a:ea typeface="Calibri" panose="020F0502020204030204" pitchFamily="34" charset="0"/>
-                <a:cs typeface="Times New Roman" panose="02020603050405020304" pitchFamily="18" charset="0"/>
-              </a:rPr>
-              <a:t>api_key</a:t>
-            </a:r>
-            <a:r>
-              <a:rPr lang="ru-RU" sz="1400" dirty="0" smtClean="0">
-                <a:solidFill>
-                  <a:srgbClr val="000000"/>
-                </a:solidFill>
-                <a:latin typeface="Times New Roman" panose="02020603050405020304" pitchFamily="18" charset="0"/>
-                <a:ea typeface="Calibri" panose="020F0502020204030204" pitchFamily="34" charset="0"/>
-                <a:cs typeface="Times New Roman" panose="02020603050405020304" pitchFamily="18" charset="0"/>
-              </a:rPr>
-              <a:t>=f39425750fc23d743fbf853d9585a46c&amp;method=</a:t>
-            </a:r>
-            <a:r>
-              <a:rPr lang="ru-RU" sz="1400" dirty="0" err="1" smtClean="0">
-                <a:solidFill>
-                  <a:srgbClr val="000000"/>
-                </a:solidFill>
-                <a:latin typeface="Times New Roman" panose="02020603050405020304" pitchFamily="18" charset="0"/>
-                <a:ea typeface="Calibri" panose="020F0502020204030204" pitchFamily="34" charset="0"/>
-                <a:cs typeface="Times New Roman" panose="02020603050405020304" pitchFamily="18" charset="0"/>
-              </a:rPr>
-              <a:t>artist.gettopalbums&amp;artist</a:t>
-            </a:r>
-            <a:r>
-              <a:rPr lang="ru-RU" sz="1400" dirty="0" smtClean="0">
-                <a:solidFill>
-                  <a:srgbClr val="000000"/>
-                </a:solidFill>
-                <a:latin typeface="Times New Roman" panose="02020603050405020304" pitchFamily="18" charset="0"/>
-                <a:ea typeface="Calibri" panose="020F0502020204030204" pitchFamily="34" charset="0"/>
-                <a:cs typeface="Times New Roman" panose="02020603050405020304" pitchFamily="18" charset="0"/>
-              </a:rPr>
-              <a:t>=</a:t>
-            </a:r>
-            <a:r>
-              <a:rPr lang="ru-RU" sz="1400" dirty="0" err="1" smtClean="0">
-                <a:solidFill>
-                  <a:srgbClr val="000000"/>
-                </a:solidFill>
-                <a:latin typeface="Times New Roman" panose="02020603050405020304" pitchFamily="18" charset="0"/>
-                <a:ea typeface="Calibri" panose="020F0502020204030204" pitchFamily="34" charset="0"/>
-                <a:cs typeface="Times New Roman" panose="02020603050405020304" pitchFamily="18" charset="0"/>
-              </a:rPr>
-              <a:t>Coldplay&amp;page</a:t>
-            </a:r>
-            <a:r>
-              <a:rPr lang="ru-RU" sz="1400" dirty="0" smtClean="0">
-                <a:solidFill>
-                  <a:srgbClr val="000000"/>
-                </a:solidFill>
-                <a:latin typeface="Times New Roman" panose="02020603050405020304" pitchFamily="18" charset="0"/>
-                <a:ea typeface="Calibri" panose="020F0502020204030204" pitchFamily="34" charset="0"/>
-                <a:cs typeface="Times New Roman" panose="02020603050405020304" pitchFamily="18" charset="0"/>
-              </a:rPr>
-              <a:t>=1&amp;limit=8</a:t>
-            </a:r>
-            <a:endParaRPr lang="en-US" sz="1400" dirty="0">
-              <a:latin typeface="Times New Roman" panose="02020603050405020304" pitchFamily="18" charset="0"/>
-              <a:cs typeface="Times New Roman" panose="02020603050405020304" pitchFamily="18" charset="0"/>
-            </a:endParaRPr>
-          </a:p>
-        </p:txBody>
-      </p:sp>
-      <p:sp>
-        <p:nvSpPr>
-          <p:cNvPr id="8" name="Rectangle 7"/>
-          <p:cNvSpPr/>
-          <p:nvPr/>
-        </p:nvSpPr>
-        <p:spPr>
-          <a:xfrm>
-            <a:off x="633045" y="5460324"/>
-            <a:ext cx="5120055" cy="307777"/>
-          </a:xfrm>
-          <a:prstGeom prst="rect">
-            <a:avLst/>
-          </a:prstGeom>
-        </p:spPr>
-        <p:txBody>
-          <a:bodyPr wrap="square">
-            <a:spAutoFit/>
-          </a:bodyPr>
-          <a:lstStyle/>
-          <a:p>
-            <a:pPr algn="ctr"/>
-            <a:r>
-              <a:rPr lang="ru-RU" sz="1400" dirty="0">
-                <a:solidFill>
-                  <a:srgbClr val="000000"/>
-                </a:solidFill>
-                <a:latin typeface="Times New Roman" panose="02020603050405020304" pitchFamily="18" charset="0"/>
-                <a:ea typeface="Calibri" panose="020F0502020204030204" pitchFamily="34" charset="0"/>
-                <a:cs typeface="Times New Roman" panose="02020603050405020304" pitchFamily="18" charset="0"/>
-              </a:rPr>
-              <a:t>Методы </a:t>
-            </a:r>
-            <a:r>
-              <a:rPr lang="en-US" sz="1400" dirty="0">
-                <a:solidFill>
-                  <a:srgbClr val="000000"/>
-                </a:solidFill>
-                <a:latin typeface="Times New Roman" panose="02020603050405020304" pitchFamily="18" charset="0"/>
-                <a:ea typeface="Calibri" panose="020F0502020204030204" pitchFamily="34" charset="0"/>
-                <a:cs typeface="Times New Roman" panose="02020603050405020304" pitchFamily="18" charset="0"/>
-              </a:rPr>
-              <a:t>API</a:t>
-            </a:r>
-            <a:r>
-              <a:rPr lang="ru-RU" sz="1400" dirty="0">
-                <a:solidFill>
-                  <a:srgbClr val="000000"/>
-                </a:solidFill>
-                <a:latin typeface="Times New Roman" panose="02020603050405020304" pitchFamily="18" charset="0"/>
-                <a:ea typeface="Calibri" panose="020F0502020204030204" pitchFamily="34" charset="0"/>
-                <a:cs typeface="Times New Roman" panose="02020603050405020304" pitchFamily="18" charset="0"/>
-              </a:rPr>
-              <a:t> сайта </a:t>
-            </a:r>
-            <a:r>
-              <a:rPr lang="en-US" sz="1400" dirty="0">
-                <a:solidFill>
-                  <a:srgbClr val="000000"/>
-                </a:solidFill>
-                <a:latin typeface="Times New Roman" panose="02020603050405020304" pitchFamily="18" charset="0"/>
-                <a:ea typeface="Calibri" panose="020F0502020204030204" pitchFamily="34" charset="0"/>
-                <a:cs typeface="Times New Roman" panose="02020603050405020304" pitchFamily="18" charset="0"/>
-              </a:rPr>
-              <a:t>last</a:t>
-            </a:r>
-            <a:r>
-              <a:rPr lang="ru-RU" sz="1400" dirty="0">
-                <a:solidFill>
-                  <a:srgbClr val="000000"/>
-                </a:solidFill>
-                <a:latin typeface="Times New Roman" panose="02020603050405020304" pitchFamily="18" charset="0"/>
-                <a:ea typeface="Calibri" panose="020F0502020204030204" pitchFamily="34" charset="0"/>
-                <a:cs typeface="Times New Roman" panose="02020603050405020304" pitchFamily="18" charset="0"/>
-              </a:rPr>
-              <a:t>.</a:t>
-            </a:r>
-            <a:r>
-              <a:rPr lang="en-US" sz="1400" dirty="0">
-                <a:solidFill>
-                  <a:srgbClr val="000000"/>
-                </a:solidFill>
-                <a:latin typeface="Times New Roman" panose="02020603050405020304" pitchFamily="18" charset="0"/>
-                <a:ea typeface="Calibri" panose="020F0502020204030204" pitchFamily="34" charset="0"/>
-                <a:cs typeface="Times New Roman" panose="02020603050405020304" pitchFamily="18" charset="0"/>
-              </a:rPr>
-              <a:t>fm</a:t>
-            </a:r>
-            <a:endParaRPr lang="en-US" sz="1400" dirty="0">
-              <a:latin typeface="Times New Roman" panose="02020603050405020304" pitchFamily="18" charset="0"/>
-              <a:cs typeface="Times New Roman" panose="02020603050405020304" pitchFamily="18" charset="0"/>
-            </a:endParaRPr>
-          </a:p>
-        </p:txBody>
-      </p:sp>
     </p:spTree>
     <p:extLst>
       <p:ext uri="{BB962C8B-B14F-4D97-AF65-F5344CB8AC3E}">
-        <p14:creationId xmlns:p14="http://schemas.microsoft.com/office/powerpoint/2010/main" val="926567122"/>
+        <p14:creationId xmlns:p14="http://schemas.microsoft.com/office/powerpoint/2010/main" val="3521035628"/>
       </p:ext>
     </p:extLst>
   </p:cSld>
@@ -4682,10 +4923,10 @@
       </p:grpSpPr>
       <p:sp>
         <p:nvSpPr>
-          <p:cNvPr id="2" name="Title 1">
-            <a:extLst>
-              <a:ext uri="{FF2B5EF4-FFF2-40B4-BE49-F238E27FC236}">
-                <a16:creationId xmlns:a16="http://schemas.microsoft.com/office/drawing/2014/main" id="{0AEA55F1-79EC-4D65-A6D4-829C0DAFDDDD}"/>
+          <p:cNvPr id="4" name="Title 1">
+            <a:extLst>
+              <a:ext uri="{FF2B5EF4-FFF2-40B4-BE49-F238E27FC236}">
+                <a16:creationId xmlns:a16="http://schemas.microsoft.com/office/drawing/2014/main" id="{9D43A2F4-EF76-482E-867E-5F6A9F305083}"/>
               </a:ext>
             </a:extLst>
           </p:cNvPr>
@@ -4698,8 +4939,8 @@
         </p:nvSpPr>
         <p:spPr>
           <a:xfrm>
-            <a:off x="838200" y="365126"/>
-            <a:ext cx="10515600" cy="927344"/>
+            <a:off x="838200" y="365125"/>
+            <a:ext cx="10515600" cy="830629"/>
           </a:xfrm>
         </p:spPr>
         <p:txBody>
@@ -4709,7 +4950,7 @@
             <a:pPr algn="ctr"/>
             <a:r>
               <a:rPr lang="ru-RU" dirty="0" smtClean="0"/>
-              <a:t>Структура проекта</a:t>
+              <a:t>Интерфейс приложения</a:t>
             </a:r>
             <a:endParaRPr lang="en-GB" dirty="0"/>
           </a:p>
@@ -4717,40 +4958,84 @@
       </p:sp>
       <p:pic>
         <p:nvPicPr>
-          <p:cNvPr id="5" name="Picture 4"/>
+          <p:cNvPr id="6" name="Picture 5" descr="https://i.snag.gy/oG2yic.jpg"/>
           <p:cNvPicPr/>
           <p:nvPr/>
         </p:nvPicPr>
         <p:blipFill>
-          <a:blip r:embed="rId2"/>
+          <a:blip r:embed="rId2" cstate="print">
+            <a:extLst>
+              <a:ext uri="{28A0092B-C50C-407E-A947-70E740481C1C}">
+                <a14:useLocalDpi xmlns:a14="http://schemas.microsoft.com/office/drawing/2010/main" val="0"/>
+              </a:ext>
+            </a:extLst>
+          </a:blip>
+          <a:srcRect/>
           <a:stretch>
             <a:fillRect/>
           </a:stretch>
         </p:blipFill>
-        <p:spPr>
-          <a:xfrm>
-            <a:off x="1487365" y="1503485"/>
-            <a:ext cx="3991708" cy="4431322"/>
+        <p:spPr bwMode="auto">
+          <a:xfrm>
+            <a:off x="504334" y="1383322"/>
+            <a:ext cx="5386511" cy="4094285"/>
           </a:xfrm>
           <a:prstGeom prst="rect">
             <a:avLst/>
           </a:prstGeom>
+          <a:noFill/>
+          <a:ln>
+            <a:noFill/>
+          </a:ln>
         </p:spPr>
       </p:pic>
-      <p:sp>
-        <p:nvSpPr>
-          <p:cNvPr id="4" name="Rectangle 3"/>
-          <p:cNvSpPr/>
+      <p:pic>
+        <p:nvPicPr>
+          <p:cNvPr id="5" name="Picture 4" descr="https://i.snag.gy/lFmapf.jpg"/>
+          <p:cNvPicPr/>
           <p:nvPr/>
-        </p:nvSpPr>
-        <p:spPr>
-          <a:xfrm>
-            <a:off x="6128238" y="1503485"/>
-            <a:ext cx="5750170" cy="2585323"/>
+        </p:nvPicPr>
+        <p:blipFill>
+          <a:blip r:embed="rId3" cstate="print">
+            <a:extLst>
+              <a:ext uri="{28A0092B-C50C-407E-A947-70E740481C1C}">
+                <a14:useLocalDpi xmlns:a14="http://schemas.microsoft.com/office/drawing/2010/main" val="0"/>
+              </a:ext>
+            </a:extLst>
+          </a:blip>
+          <a:srcRect/>
+          <a:stretch>
+            <a:fillRect/>
+          </a:stretch>
+        </p:blipFill>
+        <p:spPr bwMode="auto">
+          <a:xfrm>
+            <a:off x="6348046" y="1383322"/>
+            <a:ext cx="5612179" cy="4094285"/>
           </a:xfrm>
           <a:prstGeom prst="rect">
             <a:avLst/>
           </a:prstGeom>
+          <a:noFill/>
+          <a:ln>
+            <a:noFill/>
+          </a:ln>
+        </p:spPr>
+      </p:pic>
+      <p:sp>
+        <p:nvSpPr>
+          <p:cNvPr id="2" name="Rectangle 1"/>
+          <p:cNvSpPr/>
+          <p:nvPr/>
+        </p:nvSpPr>
+        <p:spPr>
+          <a:xfrm>
+            <a:off x="6348046" y="5737322"/>
+            <a:ext cx="5612179" cy="369332"/>
+          </a:xfrm>
+          <a:prstGeom prst="rect">
+            <a:avLst/>
+          </a:prstGeom>
         </p:spPr>
         <p:txBody>
           <a:bodyPr wrap="square">
@@ -4758,95 +5043,61 @@
           </a:bodyPr>
           <a:lstStyle/>
           <a:p>
-            <a:pPr indent="421005" algn="just">
-              <a:lnSpc>
-                <a:spcPct val="150000"/>
-              </a:lnSpc>
-            </a:pPr>
-            <a:r>
-              <a:rPr lang="en-US" dirty="0">
+            <a:pPr algn="ctr"/>
+            <a:r>
+              <a:rPr lang="ru-RU" dirty="0" smtClean="0">
                 <a:solidFill>
                   <a:srgbClr val="000000"/>
                 </a:solidFill>
                 <a:latin typeface="Times New Roman" panose="02020603050405020304" pitchFamily="18" charset="0"/>
-                <a:ea typeface="Times New Roman" panose="02020603050405020304" pitchFamily="18" charset="0"/>
+                <a:ea typeface="Calibri" panose="020F0502020204030204" pitchFamily="34" charset="0"/>
+                <a:cs typeface="Times New Roman" panose="02020603050405020304" pitchFamily="18" charset="0"/>
               </a:rPr>
-              <a:t>MVC</a:t>
-            </a:r>
-            <a:r>
-              <a:rPr lang="ru-RU" dirty="0">
+              <a:t>Страница поиска</a:t>
+            </a:r>
+            <a:endParaRPr lang="en-US" dirty="0">
+              <a:latin typeface="Times New Roman" panose="02020603050405020304" pitchFamily="18" charset="0"/>
+              <a:cs typeface="Times New Roman" panose="02020603050405020304" pitchFamily="18" charset="0"/>
+            </a:endParaRPr>
+          </a:p>
+        </p:txBody>
+      </p:sp>
+      <p:sp>
+        <p:nvSpPr>
+          <p:cNvPr id="3" name="Rectangle 2"/>
+          <p:cNvSpPr/>
+          <p:nvPr/>
+        </p:nvSpPr>
+        <p:spPr>
+          <a:xfrm flipH="1">
+            <a:off x="838199" y="5737322"/>
+            <a:ext cx="5052645" cy="369332"/>
+          </a:xfrm>
+          <a:prstGeom prst="rect">
+            <a:avLst/>
+          </a:prstGeom>
+        </p:spPr>
+        <p:txBody>
+          <a:bodyPr wrap="square">
+            <a:spAutoFit/>
+          </a:bodyPr>
+          <a:lstStyle/>
+          <a:p>
+            <a:pPr algn="ctr"/>
+            <a:r>
+              <a:rPr lang="ru-RU" dirty="0" smtClean="0">
                 <a:solidFill>
                   <a:srgbClr val="000000"/>
                 </a:solidFill>
                 <a:latin typeface="Times New Roman" panose="02020603050405020304" pitchFamily="18" charset="0"/>
-                <a:ea typeface="Times New Roman" panose="02020603050405020304" pitchFamily="18" charset="0"/>
+                <a:ea typeface="Calibri" panose="020F0502020204030204" pitchFamily="34" charset="0"/>
+                <a:cs typeface="Times New Roman" panose="02020603050405020304" pitchFamily="18" charset="0"/>
               </a:rPr>
-              <a:t> (</a:t>
-            </a:r>
-            <a:r>
-              <a:rPr lang="en-US" dirty="0">
-                <a:solidFill>
-                  <a:srgbClr val="000000"/>
-                </a:solidFill>
-                <a:latin typeface="Times New Roman" panose="02020603050405020304" pitchFamily="18" charset="0"/>
-                <a:ea typeface="Times New Roman" panose="02020603050405020304" pitchFamily="18" charset="0"/>
-              </a:rPr>
-              <a:t>Model</a:t>
-            </a:r>
-            <a:r>
-              <a:rPr lang="ru-RU" dirty="0">
-                <a:solidFill>
-                  <a:srgbClr val="000000"/>
-                </a:solidFill>
-                <a:latin typeface="Times New Roman" panose="02020603050405020304" pitchFamily="18" charset="0"/>
-                <a:ea typeface="Times New Roman" panose="02020603050405020304" pitchFamily="18" charset="0"/>
-              </a:rPr>
-              <a:t> – </a:t>
-            </a:r>
-            <a:r>
-              <a:rPr lang="en-US" dirty="0">
-                <a:solidFill>
-                  <a:srgbClr val="000000"/>
-                </a:solidFill>
-                <a:latin typeface="Times New Roman" panose="02020603050405020304" pitchFamily="18" charset="0"/>
-                <a:ea typeface="Times New Roman" panose="02020603050405020304" pitchFamily="18" charset="0"/>
-              </a:rPr>
-              <a:t>View</a:t>
-            </a:r>
-            <a:r>
-              <a:rPr lang="ru-RU" dirty="0">
-                <a:solidFill>
-                  <a:srgbClr val="000000"/>
-                </a:solidFill>
-                <a:latin typeface="Times New Roman" panose="02020603050405020304" pitchFamily="18" charset="0"/>
-                <a:ea typeface="Times New Roman" panose="02020603050405020304" pitchFamily="18" charset="0"/>
-              </a:rPr>
-              <a:t> – </a:t>
-            </a:r>
-            <a:r>
-              <a:rPr lang="en-US" dirty="0">
-                <a:solidFill>
-                  <a:srgbClr val="000000"/>
-                </a:solidFill>
-                <a:latin typeface="Times New Roman" panose="02020603050405020304" pitchFamily="18" charset="0"/>
-                <a:ea typeface="Times New Roman" panose="02020603050405020304" pitchFamily="18" charset="0"/>
-              </a:rPr>
-              <a:t>Controller</a:t>
-            </a:r>
-            <a:r>
-              <a:rPr lang="ru-RU" dirty="0">
-                <a:solidFill>
-                  <a:srgbClr val="000000"/>
-                </a:solidFill>
-                <a:latin typeface="Times New Roman" panose="02020603050405020304" pitchFamily="18" charset="0"/>
-                <a:ea typeface="Times New Roman" panose="02020603050405020304" pitchFamily="18" charset="0"/>
-              </a:rPr>
-              <a:t>) – это схема разделения данных приложения, пользовательского интерфейса и управляющей логики на три отдельных компонента: модель, представление и контроллер – таким образом, что модификация каждого компонента может осуществлять независимо друг от друга.</a:t>
-            </a:r>
-            <a:endParaRPr lang="en-US" sz="1600" dirty="0">
-              <a:effectLst/>
+              <a:t>Главная страница</a:t>
+            </a:r>
+            <a:endParaRPr lang="en-US" dirty="0">
               <a:latin typeface="Times New Roman" panose="02020603050405020304" pitchFamily="18" charset="0"/>
-              <a:ea typeface="Times New Roman" panose="02020603050405020304" pitchFamily="18" charset="0"/>
+              <a:cs typeface="Times New Roman" panose="02020603050405020304" pitchFamily="18" charset="0"/>
             </a:endParaRPr>
           </a:p>
         </p:txBody>
@@ -4854,7 +5105,7 @@
     </p:spTree>
     <p:extLst>
       <p:ext uri="{BB962C8B-B14F-4D97-AF65-F5344CB8AC3E}">
-        <p14:creationId xmlns:p14="http://schemas.microsoft.com/office/powerpoint/2010/main" val="3521035628"/>
+        <p14:creationId xmlns:p14="http://schemas.microsoft.com/office/powerpoint/2010/main" val="2104917430"/>
       </p:ext>
     </p:extLst>
   </p:cSld>
@@ -4883,13 +5134,7 @@
       </p:grpSpPr>
       <p:sp>
         <p:nvSpPr>
-          <p:cNvPr id="4" name="Title 1">
-            <a:extLst>
-              <a:ext uri="{FF2B5EF4-FFF2-40B4-BE49-F238E27FC236}">
-                <a16:creationId xmlns:a16="http://schemas.microsoft.com/office/drawing/2014/main" id="{9D43A2F4-EF76-482E-867E-5F6A9F305083}"/>
-              </a:ext>
-            </a:extLst>
-          </p:cNvPr>
+          <p:cNvPr id="2" name="Title 1"/>
           <p:cNvSpPr>
             <a:spLocks noGrp="1"/>
           </p:cNvSpPr>
@@ -4899,8 +5144,8 @@
         </p:nvSpPr>
         <p:spPr>
           <a:xfrm>
-            <a:off x="838200" y="365125"/>
-            <a:ext cx="10515600" cy="1325563"/>
+            <a:off x="838200" y="365126"/>
+            <a:ext cx="10515600" cy="804252"/>
           </a:xfrm>
         </p:spPr>
         <p:txBody>
@@ -4909,54 +5154,132 @@
           <a:p>
             <a:pPr algn="ctr"/>
             <a:r>
-              <a:rPr lang="ru-RU" dirty="0"/>
-              <a:t>Интерфейс </a:t>
-            </a:r>
-            <a:r>
               <a:rPr lang="ru-RU" dirty="0" smtClean="0"/>
-              <a:t>главной страницы</a:t>
-            </a:r>
-            <a:endParaRPr lang="en-GB" dirty="0"/>
+              <a:t>Система аутентификации и авторизации</a:t>
+            </a:r>
+            <a:endParaRPr lang="en-US" dirty="0"/>
           </a:p>
         </p:txBody>
       </p:sp>
       <p:pic>
         <p:nvPicPr>
-          <p:cNvPr id="6" name="Picture 5" descr="https://i.snag.gy/oG2yic.jpg"/>
+          <p:cNvPr id="3" name="Picture 2"/>
           <p:cNvPicPr/>
           <p:nvPr/>
         </p:nvPicPr>
         <p:blipFill>
-          <a:blip r:embed="rId2" cstate="print">
-            <a:extLst>
-              <a:ext uri="{28A0092B-C50C-407E-A947-70E740481C1C}">
-                <a14:useLocalDpi xmlns:a14="http://schemas.microsoft.com/office/drawing/2010/main" val="0"/>
-              </a:ext>
-            </a:extLst>
-          </a:blip>
-          <a:srcRect/>
+          <a:blip r:embed="rId2"/>
           <a:stretch>
             <a:fillRect/>
           </a:stretch>
         </p:blipFill>
-        <p:spPr bwMode="auto">
-          <a:xfrm>
-            <a:off x="2306758" y="1541219"/>
-            <a:ext cx="7690095" cy="4402381"/>
+        <p:spPr>
+          <a:xfrm>
+            <a:off x="1537457" y="1169378"/>
+            <a:ext cx="3208655" cy="4137025"/>
           </a:xfrm>
           <a:prstGeom prst="rect">
             <a:avLst/>
           </a:prstGeom>
-          <a:noFill/>
-          <a:ln>
-            <a:noFill/>
-          </a:ln>
         </p:spPr>
       </p:pic>
+      <p:pic>
+        <p:nvPicPr>
+          <p:cNvPr id="4" name="Picture 3"/>
+          <p:cNvPicPr/>
+          <p:nvPr/>
+        </p:nvPicPr>
+        <p:blipFill>
+          <a:blip r:embed="rId3"/>
+          <a:stretch>
+            <a:fillRect/>
+          </a:stretch>
+        </p:blipFill>
+        <p:spPr>
+          <a:xfrm>
+            <a:off x="6330462" y="1169378"/>
+            <a:ext cx="4402087" cy="4281853"/>
+          </a:xfrm>
+          <a:prstGeom prst="rect">
+            <a:avLst/>
+          </a:prstGeom>
+        </p:spPr>
+      </p:pic>
+      <p:sp>
+        <p:nvSpPr>
+          <p:cNvPr id="5" name="Rectangle 4"/>
+          <p:cNvSpPr/>
+          <p:nvPr/>
+        </p:nvSpPr>
+        <p:spPr>
+          <a:xfrm>
+            <a:off x="6154615" y="5552656"/>
+            <a:ext cx="5008757" cy="369332"/>
+          </a:xfrm>
+          <a:prstGeom prst="rect">
+            <a:avLst/>
+          </a:prstGeom>
+        </p:spPr>
+        <p:txBody>
+          <a:bodyPr wrap="square">
+            <a:spAutoFit/>
+          </a:bodyPr>
+          <a:lstStyle/>
+          <a:p>
+            <a:pPr algn="ctr"/>
+            <a:r>
+              <a:rPr lang="ru-RU" dirty="0">
+                <a:solidFill>
+                  <a:srgbClr val="000000"/>
+                </a:solidFill>
+                <a:latin typeface="Times New Roman" panose="02020603050405020304" pitchFamily="18" charset="0"/>
+                <a:ea typeface="Calibri" panose="020F0502020204030204" pitchFamily="34" charset="0"/>
+              </a:rPr>
+              <a:t>Интерфейс страницы управления аккаунтом</a:t>
+            </a:r>
+            <a:endParaRPr lang="en-US" dirty="0"/>
+          </a:p>
+        </p:txBody>
+      </p:sp>
+      <p:sp>
+        <p:nvSpPr>
+          <p:cNvPr id="6" name="Rectangle 5"/>
+          <p:cNvSpPr/>
+          <p:nvPr/>
+        </p:nvSpPr>
+        <p:spPr>
+          <a:xfrm>
+            <a:off x="1310054" y="5460320"/>
+            <a:ext cx="4223310" cy="369332"/>
+          </a:xfrm>
+          <a:prstGeom prst="rect">
+            <a:avLst/>
+          </a:prstGeom>
+        </p:spPr>
+        <p:txBody>
+          <a:bodyPr wrap="square">
+            <a:spAutoFit/>
+          </a:bodyPr>
+          <a:lstStyle/>
+          <a:p>
+            <a:r>
+              <a:rPr lang="ru-RU" dirty="0">
+                <a:solidFill>
+                  <a:srgbClr val="000000"/>
+                </a:solidFill>
+                <a:latin typeface="Times New Roman" panose="02020603050405020304" pitchFamily="18" charset="0"/>
+                <a:ea typeface="Calibri" panose="020F0502020204030204" pitchFamily="34" charset="0"/>
+              </a:rPr>
+              <a:t>Интерфейс страницы авторизации</a:t>
+            </a:r>
+            <a:endParaRPr lang="en-US" dirty="0"/>
+          </a:p>
+        </p:txBody>
+      </p:sp>
     </p:spTree>
     <p:extLst>
       <p:ext uri="{BB962C8B-B14F-4D97-AF65-F5344CB8AC3E}">
-        <p14:creationId xmlns:p14="http://schemas.microsoft.com/office/powerpoint/2010/main" val="2104917430"/>
+        <p14:creationId xmlns:p14="http://schemas.microsoft.com/office/powerpoint/2010/main" val="1577521119"/>
       </p:ext>
     </p:extLst>
   </p:cSld>
@@ -4985,13 +5308,7 @@
       </p:grpSpPr>
       <p:sp>
         <p:nvSpPr>
-          <p:cNvPr id="2" name="Title 1">
-            <a:extLst>
-              <a:ext uri="{FF2B5EF4-FFF2-40B4-BE49-F238E27FC236}">
-                <a16:creationId xmlns:a16="http://schemas.microsoft.com/office/drawing/2014/main" id="{DCAC1EC8-C8F3-4373-B8CE-045367DBC652}"/>
-              </a:ext>
-            </a:extLst>
-          </p:cNvPr>
+          <p:cNvPr id="2" name="Title 1"/>
           <p:cNvSpPr>
             <a:spLocks noGrp="1"/>
           </p:cNvSpPr>
@@ -4999,88 +5316,296 @@
             <p:ph type="title"/>
           </p:nvPr>
         </p:nvSpPr>
-        <p:spPr/>
+        <p:spPr>
+          <a:xfrm>
+            <a:off x="838200" y="365126"/>
+            <a:ext cx="10515600" cy="813043"/>
+          </a:xfrm>
+        </p:spPr>
         <p:txBody>
           <a:bodyPr/>
           <a:lstStyle/>
           <a:p>
             <a:pPr algn="ctr"/>
             <a:r>
-              <a:rPr lang="ru-RU" dirty="0"/>
-              <a:t>Заключение</a:t>
-            </a:r>
-            <a:endParaRPr lang="en-GB" dirty="0"/>
-          </a:p>
-        </p:txBody>
-      </p:sp>
-      <p:sp>
-        <p:nvSpPr>
-          <p:cNvPr id="3" name="Content Placeholder 2">
-            <a:extLst>
-              <a:ext uri="{FF2B5EF4-FFF2-40B4-BE49-F238E27FC236}">
-                <a16:creationId xmlns:a16="http://schemas.microsoft.com/office/drawing/2014/main" id="{0E4D06C4-8836-4633-8ED4-AAB93F116CA2}"/>
-              </a:ext>
-            </a:extLst>
-          </p:cNvPr>
-          <p:cNvSpPr>
-            <a:spLocks noGrp="1"/>
-          </p:cNvSpPr>
-          <p:nvPr>
-            <p:ph idx="1"/>
-          </p:nvPr>
-        </p:nvSpPr>
-        <p:spPr/>
-        <p:txBody>
-          <a:bodyPr/>
-          <a:lstStyle/>
-          <a:p>
-            <a:pPr marL="0" indent="0">
-              <a:buNone/>
-            </a:pPr>
-            <a:r>
-              <a:rPr lang="ru-RU" dirty="0"/>
-              <a:t>	</a:t>
-            </a:r>
-            <a:r>
-              <a:rPr lang="ru-RU" sz="3200" dirty="0" smtClean="0"/>
-              <a:t>В </a:t>
-            </a:r>
-            <a:r>
-              <a:rPr lang="ru-RU" sz="3200" dirty="0"/>
-              <a:t>процессе выполнения дипломной работы получены следующие результаты: изучены книги и электронные источники по темам «Разработка </a:t>
-            </a:r>
-            <a:r>
-              <a:rPr lang="en-US" sz="3200" dirty="0"/>
-              <a:t>web </a:t>
-            </a:r>
-            <a:r>
-              <a:rPr lang="ru-RU" sz="3200" dirty="0"/>
-              <a:t>приложений </a:t>
-            </a:r>
-            <a:r>
-              <a:rPr lang="en-US" sz="3200" dirty="0"/>
-              <a:t>ASP</a:t>
-            </a:r>
-            <a:r>
-              <a:rPr lang="ru-RU" sz="3200" dirty="0"/>
-              <a:t>.</a:t>
-            </a:r>
-            <a:r>
-              <a:rPr lang="en-US" sz="3200" dirty="0"/>
-              <a:t>NET Core MVC</a:t>
-            </a:r>
-            <a:r>
-              <a:rPr lang="ru-RU" sz="3200" dirty="0"/>
-              <a:t>», «Архитектура клиент-серверных приложений», «Нейронные сети», а также непосредственно разработано приложение, использующее нейронные сети и совмещающее задачи и цели онлайн и оффлайн каталогизаторов.</a:t>
-            </a:r>
-            <a:endParaRPr lang="en-US" sz="3200" dirty="0"/>
+              <a:rPr lang="ru-RU" dirty="0" smtClean="0"/>
+              <a:t>Система индивидуальных чартов</a:t>
+            </a:r>
+            <a:endParaRPr lang="en-US" dirty="0"/>
+          </a:p>
+        </p:txBody>
+      </p:sp>
+      <p:pic>
+        <p:nvPicPr>
+          <p:cNvPr id="3" name="Picture 2"/>
+          <p:cNvPicPr/>
+          <p:nvPr/>
+        </p:nvPicPr>
+        <p:blipFill>
+          <a:blip r:embed="rId2"/>
+          <a:stretch>
+            <a:fillRect/>
+          </a:stretch>
+        </p:blipFill>
+        <p:spPr>
+          <a:xfrm>
+            <a:off x="2825262" y="1345223"/>
+            <a:ext cx="6916615" cy="3209191"/>
+          </a:xfrm>
+          <a:prstGeom prst="rect">
+            <a:avLst/>
+          </a:prstGeom>
+        </p:spPr>
+      </p:pic>
+      <p:sp>
+        <p:nvSpPr>
+          <p:cNvPr id="4" name="Rectangle 3"/>
+          <p:cNvSpPr/>
+          <p:nvPr/>
+        </p:nvSpPr>
+        <p:spPr>
+          <a:xfrm>
+            <a:off x="1397977" y="4642338"/>
+            <a:ext cx="10541977" cy="646331"/>
+          </a:xfrm>
+          <a:prstGeom prst="rect">
+            <a:avLst/>
+          </a:prstGeom>
+        </p:spPr>
+        <p:txBody>
+          <a:bodyPr wrap="square">
+            <a:spAutoFit/>
+          </a:bodyPr>
+          <a:lstStyle/>
+          <a:p>
+            <a:r>
+              <a:rPr lang="ru-RU" dirty="0">
+                <a:solidFill>
+                  <a:srgbClr val="000000"/>
+                </a:solidFill>
+                <a:latin typeface="Times New Roman" panose="02020603050405020304" pitchFamily="18" charset="0"/>
+                <a:ea typeface="Calibri" panose="020F0502020204030204" pitchFamily="34" charset="0"/>
+              </a:rPr>
+              <a:t>Всего в приложении есть 3 типа чартов: общий, индивидуальный и сгенерированный нейронной сетью</a:t>
+            </a:r>
+            <a:r>
+              <a:rPr lang="ru-RU" dirty="0" smtClean="0">
+                <a:solidFill>
+                  <a:srgbClr val="000000"/>
+                </a:solidFill>
+                <a:latin typeface="Times New Roman" panose="02020603050405020304" pitchFamily="18" charset="0"/>
+                <a:ea typeface="Calibri" panose="020F0502020204030204" pitchFamily="34" charset="0"/>
+              </a:rPr>
+              <a:t>. Все они доступны зарегистрированному и авторизированному пользователю.</a:t>
+            </a:r>
+            <a:endParaRPr lang="en-US" dirty="0"/>
           </a:p>
         </p:txBody>
       </p:sp>
     </p:spTree>
     <p:extLst>
       <p:ext uri="{BB962C8B-B14F-4D97-AF65-F5344CB8AC3E}">
-        <p14:creationId xmlns:p14="http://schemas.microsoft.com/office/powerpoint/2010/main" val="2664455844"/>
+        <p14:creationId xmlns:p14="http://schemas.microsoft.com/office/powerpoint/2010/main" val="3708005568"/>
+      </p:ext>
+    </p:extLst>
+  </p:cSld>
+  <p:clrMapOvr>
+    <a:masterClrMapping/>
+  </p:clrMapOvr>
+</p:sld>
+</file>
+
+<file path=ppt/slides/slide9.xml><?xml version="1.0" encoding="utf-8"?>
+<p:sld xmlns:a="http://schemas.openxmlformats.org/drawingml/2006/main" xmlns:r="http://schemas.openxmlformats.org/officeDocument/2006/relationships" xmlns:p="http://schemas.openxmlformats.org/presentationml/2006/main">
+  <p:cSld>
+    <p:spTree>
+      <p:nvGrpSpPr>
+        <p:cNvPr id="1" name=""/>
+        <p:cNvGrpSpPr/>
+        <p:nvPr/>
+      </p:nvGrpSpPr>
+      <p:grpSpPr>
+        <a:xfrm>
+          <a:off x="0" y="0"/>
+          <a:ext cx="0" cy="0"/>
+          <a:chOff x="0" y="0"/>
+          <a:chExt cx="0" cy="0"/>
+        </a:xfrm>
+      </p:grpSpPr>
+      <p:sp>
+        <p:nvSpPr>
+          <p:cNvPr id="2" name="Title 1"/>
+          <p:cNvSpPr>
+            <a:spLocks noGrp="1"/>
+          </p:cNvSpPr>
+          <p:nvPr>
+            <p:ph type="title"/>
+          </p:nvPr>
+        </p:nvSpPr>
+        <p:spPr>
+          <a:xfrm>
+            <a:off x="838200" y="365125"/>
+            <a:ext cx="10515600" cy="733913"/>
+          </a:xfrm>
+        </p:spPr>
+        <p:txBody>
+          <a:bodyPr/>
+          <a:lstStyle/>
+          <a:p>
+            <a:pPr algn="ctr"/>
+            <a:r>
+              <a:rPr lang="ru-RU" dirty="0" smtClean="0"/>
+              <a:t>Нейронная сеть</a:t>
+            </a:r>
+            <a:endParaRPr lang="en-US" dirty="0"/>
+          </a:p>
+        </p:txBody>
+      </p:sp>
+      <p:pic>
+        <p:nvPicPr>
+          <p:cNvPr id="1026" name="Picture 2" descr="ÐÐ°ÑÑÐ¸Ð½ÐºÐ¸ Ð¿Ð¾ Ð·Ð°Ð¿ÑÐ¾ÑÑ Ð½ÐµÐ¹ÑÐ¾Ð½Ð½Ð°Ñ ÑÐµÑÑ"/>
+          <p:cNvPicPr>
+            <a:picLocks noChangeAspect="1" noChangeArrowheads="1"/>
+          </p:cNvPicPr>
+          <p:nvPr/>
+        </p:nvPicPr>
+        <p:blipFill>
+          <a:blip r:embed="rId2">
+            <a:extLst>
+              <a:ext uri="{28A0092B-C50C-407E-A947-70E740481C1C}">
+                <a14:useLocalDpi xmlns:a14="http://schemas.microsoft.com/office/drawing/2010/main" val="0"/>
+              </a:ext>
+            </a:extLst>
+          </a:blip>
+          <a:srcRect/>
+          <a:stretch>
+            <a:fillRect/>
+          </a:stretch>
+        </p:blipFill>
+        <p:spPr bwMode="auto">
+          <a:xfrm>
+            <a:off x="838200" y="1178168"/>
+            <a:ext cx="6262790" cy="3727939"/>
+          </a:xfrm>
+          <a:prstGeom prst="rect">
+            <a:avLst/>
+          </a:prstGeom>
+          <a:noFill/>
+          <a:extLst>
+            <a:ext uri="{909E8E84-426E-40DD-AFC4-6F175D3DCCD1}">
+              <a14:hiddenFill xmlns:a14="http://schemas.microsoft.com/office/drawing/2010/main">
+                <a:solidFill>
+                  <a:srgbClr val="FFFFFF"/>
+                </a:solidFill>
+              </a14:hiddenFill>
+            </a:ext>
+          </a:extLst>
+        </p:spPr>
+      </p:pic>
+      <p:pic>
+        <p:nvPicPr>
+          <p:cNvPr id="4" name="Picture 3"/>
+          <p:cNvPicPr/>
+          <p:nvPr/>
+        </p:nvPicPr>
+        <p:blipFill>
+          <a:blip r:embed="rId3"/>
+          <a:stretch>
+            <a:fillRect/>
+          </a:stretch>
+        </p:blipFill>
+        <p:spPr>
+          <a:xfrm>
+            <a:off x="8062546" y="1099038"/>
+            <a:ext cx="3385039" cy="4659923"/>
+          </a:xfrm>
+          <a:prstGeom prst="rect">
+            <a:avLst/>
+          </a:prstGeom>
+        </p:spPr>
+      </p:pic>
+      <p:sp>
+        <p:nvSpPr>
+          <p:cNvPr id="3" name="Rectangle 2"/>
+          <p:cNvSpPr/>
+          <p:nvPr/>
+        </p:nvSpPr>
+        <p:spPr>
+          <a:xfrm>
+            <a:off x="1107832" y="5213838"/>
+            <a:ext cx="5993158" cy="369332"/>
+          </a:xfrm>
+          <a:prstGeom prst="rect">
+            <a:avLst/>
+          </a:prstGeom>
+        </p:spPr>
+        <p:txBody>
+          <a:bodyPr wrap="square">
+            <a:spAutoFit/>
+          </a:bodyPr>
+          <a:lstStyle/>
+          <a:p>
+            <a:pPr algn="ctr"/>
+            <a:r>
+              <a:rPr lang="ru-RU" dirty="0" smtClean="0">
+                <a:solidFill>
+                  <a:srgbClr val="000000"/>
+                </a:solidFill>
+                <a:latin typeface="Times New Roman" panose="02020603050405020304" pitchFamily="18" charset="0"/>
+                <a:cs typeface="Times New Roman" panose="02020603050405020304" pitchFamily="18" charset="0"/>
+              </a:rPr>
+              <a:t>Схема используемой нейронной сети</a:t>
+            </a:r>
+            <a:endParaRPr lang="en-US" dirty="0">
+              <a:latin typeface="Times New Roman" panose="02020603050405020304" pitchFamily="18" charset="0"/>
+              <a:cs typeface="Times New Roman" panose="02020603050405020304" pitchFamily="18" charset="0"/>
+            </a:endParaRPr>
+          </a:p>
+        </p:txBody>
+      </p:sp>
+      <p:sp>
+        <p:nvSpPr>
+          <p:cNvPr id="5" name="Rectangle 4"/>
+          <p:cNvSpPr/>
+          <p:nvPr/>
+        </p:nvSpPr>
+        <p:spPr>
+          <a:xfrm>
+            <a:off x="7693269" y="5758962"/>
+            <a:ext cx="3912577" cy="369332"/>
+          </a:xfrm>
+          <a:prstGeom prst="rect">
+            <a:avLst/>
+          </a:prstGeom>
+        </p:spPr>
+        <p:txBody>
+          <a:bodyPr wrap="square">
+            <a:spAutoFit/>
+          </a:bodyPr>
+          <a:lstStyle/>
+          <a:p>
+            <a:pPr algn="ctr"/>
+            <a:r>
+              <a:rPr lang="ru-RU" dirty="0" smtClean="0">
+                <a:solidFill>
+                  <a:srgbClr val="000000"/>
+                </a:solidFill>
+                <a:latin typeface="Times New Roman" panose="02020603050405020304" pitchFamily="18" charset="0"/>
+                <a:cs typeface="Times New Roman" panose="02020603050405020304" pitchFamily="18" charset="0"/>
+              </a:rPr>
+              <a:t>Представление нейронной сети в БД</a:t>
+            </a:r>
+            <a:endParaRPr lang="en-US" dirty="0">
+              <a:latin typeface="Times New Roman" panose="02020603050405020304" pitchFamily="18" charset="0"/>
+              <a:cs typeface="Times New Roman" panose="02020603050405020304" pitchFamily="18" charset="0"/>
+            </a:endParaRPr>
+          </a:p>
+        </p:txBody>
+      </p:sp>
+    </p:spTree>
+    <p:extLst>
+      <p:ext uri="{BB962C8B-B14F-4D97-AF65-F5344CB8AC3E}">
+        <p14:creationId xmlns:p14="http://schemas.microsoft.com/office/powerpoint/2010/main" val="3921921635"/>
       </p:ext>
     </p:extLst>
   </p:cSld>
